--- a/presentation.pptx
+++ b/presentation.pptx
@@ -8,18 +8,21 @@
     <p:sldId id="256" r:id="rId2"/>
     <p:sldId id="257" r:id="rId3"/>
     <p:sldId id="270" r:id="rId4"/>
-    <p:sldId id="258" r:id="rId5"/>
-    <p:sldId id="259" r:id="rId6"/>
-    <p:sldId id="260" r:id="rId7"/>
-    <p:sldId id="261" r:id="rId8"/>
-    <p:sldId id="262" r:id="rId9"/>
-    <p:sldId id="263" r:id="rId10"/>
-    <p:sldId id="264" r:id="rId11"/>
-    <p:sldId id="265" r:id="rId12"/>
-    <p:sldId id="267" r:id="rId13"/>
-    <p:sldId id="266" r:id="rId14"/>
-    <p:sldId id="268" r:id="rId15"/>
-    <p:sldId id="269" r:id="rId16"/>
+    <p:sldId id="273" r:id="rId5"/>
+    <p:sldId id="258" r:id="rId6"/>
+    <p:sldId id="259" r:id="rId7"/>
+    <p:sldId id="260" r:id="rId8"/>
+    <p:sldId id="261" r:id="rId9"/>
+    <p:sldId id="262" r:id="rId10"/>
+    <p:sldId id="263" r:id="rId11"/>
+    <p:sldId id="264" r:id="rId12"/>
+    <p:sldId id="265" r:id="rId13"/>
+    <p:sldId id="267" r:id="rId14"/>
+    <p:sldId id="271" r:id="rId15"/>
+    <p:sldId id="266" r:id="rId16"/>
+    <p:sldId id="268" r:id="rId17"/>
+    <p:sldId id="272" r:id="rId18"/>
+    <p:sldId id="269" r:id="rId19"/>
   </p:sldIdLst>
   <p:sldSz cx="12192000" cy="6858000"/>
   <p:notesSz cx="6858000" cy="9144000"/>
@@ -118,6 +121,11 @@
       </a:defRPr>
     </a:lvl9pPr>
   </p:defaultTextStyle>
+  <p:extLst>
+    <p:ext uri="{EFAFB233-063F-42B5-8137-9DF3F51BA10A}">
+      <p15:sldGuideLst xmlns:p15="http://schemas.microsoft.com/office/powerpoint/2012/main"/>
+    </p:ext>
+  </p:extLst>
 </p:presentation>
 </file>
 
@@ -4354,7 +4362,7 @@
           <p:cNvPr id="2" name="제목 1">
             <a:extLst>
               <a:ext uri="{FF2B5EF4-FFF2-40B4-BE49-F238E27FC236}">
-                <a16:creationId xmlns:a16="http://schemas.microsoft.com/office/drawing/2014/main" id="{F613987C-3DD1-2316-5FEF-FFA86C4E7D83}"/>
+                <a16:creationId xmlns:a16="http://schemas.microsoft.com/office/drawing/2014/main" id="{0996FA92-7FD9-FB90-61A8-7107C736333E}"/>
               </a:ext>
             </a:extLst>
           </p:cNvPr>
@@ -4372,7 +4380,7 @@
           <a:p>
             <a:r>
               <a:rPr lang="en-US" altLang="ko-KR" dirty="0"/>
-              <a:t>Feature 1-2. color of air quality</a:t>
+              <a:t>Featur1-1. color of PM10 and PM2.5</a:t>
             </a:r>
             <a:endParaRPr lang="ko-KR" altLang="en-US" dirty="0"/>
           </a:p>
@@ -4383,7 +4391,7 @@
           <p:cNvPr id="3" name="내용 개체 틀 2">
             <a:extLst>
               <a:ext uri="{FF2B5EF4-FFF2-40B4-BE49-F238E27FC236}">
-                <a16:creationId xmlns:a16="http://schemas.microsoft.com/office/drawing/2014/main" id="{0D84BF04-5256-B664-3249-FFD860BB65BC}"/>
+                <a16:creationId xmlns:a16="http://schemas.microsoft.com/office/drawing/2014/main" id="{C35EA1BB-16BB-6B6D-7463-708A8564F731}"/>
               </a:ext>
             </a:extLst>
           </p:cNvPr>
@@ -4394,14 +4402,19 @@
             <p:ph idx="1"/>
           </p:nvPr>
         </p:nvSpPr>
-        <p:spPr/>
+        <p:spPr>
+          <a:xfrm>
+            <a:off x="1371600" y="2286000"/>
+            <a:ext cx="9601200" cy="4572000"/>
+          </a:xfrm>
+        </p:spPr>
         <p:txBody>
           <a:bodyPr/>
           <a:lstStyle/>
           <a:p>
             <a:r>
               <a:rPr lang="en-US" altLang="ko-KR" dirty="0"/>
-              <a:t>UK DEFRA INDEX</a:t>
+              <a:t>PM10 and PM2.5</a:t>
             </a:r>
           </a:p>
           <a:p>
@@ -4440,10 +4453,10 @@
       </p:sp>
       <p:pic>
         <p:nvPicPr>
-          <p:cNvPr id="25" name="그림 24">
-            <a:extLst>
-              <a:ext uri="{FF2B5EF4-FFF2-40B4-BE49-F238E27FC236}">
-                <a16:creationId xmlns:a16="http://schemas.microsoft.com/office/drawing/2014/main" id="{C2277F8D-D18D-5736-BAFC-5E2394D5C630}"/>
+          <p:cNvPr id="23" name="그림 22">
+            <a:extLst>
+              <a:ext uri="{FF2B5EF4-FFF2-40B4-BE49-F238E27FC236}">
+                <a16:creationId xmlns:a16="http://schemas.microsoft.com/office/drawing/2014/main" id="{09873A23-9C48-F3DD-479D-D1FE1DCEDA04}"/>
               </a:ext>
             </a:extLst>
           </p:cNvPr>
@@ -4460,20 +4473,84 @@
         </p:blipFill>
         <p:spPr>
           <a:xfrm>
-            <a:off x="1971021" y="5025301"/>
-            <a:ext cx="7160242" cy="1357391"/>
+            <a:off x="971899" y="5598751"/>
+            <a:ext cx="3440694" cy="1146898"/>
           </a:xfrm>
           <a:prstGeom prst="rect">
             <a:avLst/>
           </a:prstGeom>
         </p:spPr>
       </p:pic>
+      <p:sp>
+        <p:nvSpPr>
+          <p:cNvPr id="26" name="TextBox 25">
+            <a:extLst>
+              <a:ext uri="{FF2B5EF4-FFF2-40B4-BE49-F238E27FC236}">
+                <a16:creationId xmlns:a16="http://schemas.microsoft.com/office/drawing/2014/main" id="{7713D0C7-4DB4-A6D6-CF7E-B21C6001EE52}"/>
+              </a:ext>
+            </a:extLst>
+          </p:cNvPr>
+          <p:cNvSpPr txBox="1"/>
+          <p:nvPr/>
+        </p:nvSpPr>
+        <p:spPr>
+          <a:xfrm>
+            <a:off x="6629164" y="1428750"/>
+            <a:ext cx="184731" cy="369332"/>
+          </a:xfrm>
+          <a:prstGeom prst="rect">
+            <a:avLst/>
+          </a:prstGeom>
+          <a:noFill/>
+        </p:spPr>
+        <p:txBody>
+          <a:bodyPr wrap="none" rtlCol="0">
+            <a:spAutoFit/>
+          </a:bodyPr>
+          <a:lstStyle/>
+          <a:p>
+            <a:endParaRPr lang="ko-KR" altLang="en-US" dirty="0"/>
+          </a:p>
+        </p:txBody>
+      </p:sp>
+      <p:sp>
+        <p:nvSpPr>
+          <p:cNvPr id="27" name="TextBox 26">
+            <a:extLst>
+              <a:ext uri="{FF2B5EF4-FFF2-40B4-BE49-F238E27FC236}">
+                <a16:creationId xmlns:a16="http://schemas.microsoft.com/office/drawing/2014/main" id="{E30D6F48-E7F2-AA52-7217-6D302EC8F782}"/>
+              </a:ext>
+            </a:extLst>
+          </p:cNvPr>
+          <p:cNvSpPr txBox="1"/>
+          <p:nvPr/>
+        </p:nvSpPr>
+        <p:spPr>
+          <a:xfrm>
+            <a:off x="6871606" y="3907454"/>
+            <a:ext cx="184731" cy="369332"/>
+          </a:xfrm>
+          <a:prstGeom prst="rect">
+            <a:avLst/>
+          </a:prstGeom>
+          <a:noFill/>
+        </p:spPr>
+        <p:txBody>
+          <a:bodyPr wrap="none" rtlCol="0">
+            <a:spAutoFit/>
+          </a:bodyPr>
+          <a:lstStyle/>
+          <a:p>
+            <a:endParaRPr lang="ko-KR" altLang="en-US" dirty="0"/>
+          </a:p>
+        </p:txBody>
+      </p:sp>
       <p:pic>
         <p:nvPicPr>
-          <p:cNvPr id="5" name="그림 4" descr="폰트, 로고, 그래픽, 상징이(가) 표시된 사진&#10;&#10;자동 생성된 설명">
-            <a:extLst>
-              <a:ext uri="{FF2B5EF4-FFF2-40B4-BE49-F238E27FC236}">
-                <a16:creationId xmlns:a16="http://schemas.microsoft.com/office/drawing/2014/main" id="{194AD915-0EF6-2BE7-D382-FA924BEFFC71}"/>
+          <p:cNvPr id="5" name="그림 4" descr="텍스트, 폰트, 스크린샷, 라인이(가) 표시된 사진&#10;&#10;자동 생성된 설명">
+            <a:extLst>
+              <a:ext uri="{FF2B5EF4-FFF2-40B4-BE49-F238E27FC236}">
+                <a16:creationId xmlns:a16="http://schemas.microsoft.com/office/drawing/2014/main" id="{9A1D9279-27DD-7446-C326-0447D120A437}"/>
               </a:ext>
             </a:extLst>
           </p:cNvPr>
@@ -4496,8 +4573,8 @@
         </p:blipFill>
         <p:spPr>
           <a:xfrm>
-            <a:off x="6700649" y="1377843"/>
-            <a:ext cx="1876425" cy="676275"/>
+            <a:off x="5393396" y="5336204"/>
+            <a:ext cx="4772025" cy="1476375"/>
           </a:xfrm>
           <a:prstGeom prst="rect">
             <a:avLst/>
@@ -4506,10 +4583,10 @@
       </p:pic>
       <p:pic>
         <p:nvPicPr>
-          <p:cNvPr id="7" name="그림 6" descr="폰트, 로고, 그래픽, 디자인이(가) 표시된 사진&#10;&#10;자동 생성된 설명">
-            <a:extLst>
-              <a:ext uri="{FF2B5EF4-FFF2-40B4-BE49-F238E27FC236}">
-                <a16:creationId xmlns:a16="http://schemas.microsoft.com/office/drawing/2014/main" id="{FB4E0796-A72A-5B4D-A4A9-50A42D293A8D}"/>
+          <p:cNvPr id="7" name="그림 6" descr="텍스트, 폰트, 스크린샷, 라인이(가) 표시된 사진&#10;&#10;자동 생성된 설명">
+            <a:extLst>
+              <a:ext uri="{FF2B5EF4-FFF2-40B4-BE49-F238E27FC236}">
+                <a16:creationId xmlns:a16="http://schemas.microsoft.com/office/drawing/2014/main" id="{51849061-9923-F7D1-F7A8-B35F02C08FF4}"/>
               </a:ext>
             </a:extLst>
           </p:cNvPr>
@@ -4532,8 +4609,8 @@
         </p:blipFill>
         <p:spPr>
           <a:xfrm>
-            <a:off x="6833998" y="2241994"/>
-            <a:ext cx="1609725" cy="657225"/>
+            <a:off x="5417225" y="1246141"/>
+            <a:ext cx="4562475" cy="1323975"/>
           </a:xfrm>
           <a:prstGeom prst="rect">
             <a:avLst/>
@@ -4542,10 +4619,10 @@
       </p:pic>
       <p:pic>
         <p:nvPicPr>
-          <p:cNvPr id="9" name="그림 8" descr="폰트, 그래픽, 로고, 상징이(가) 표시된 사진&#10;&#10;자동 생성된 설명">
-            <a:extLst>
-              <a:ext uri="{FF2B5EF4-FFF2-40B4-BE49-F238E27FC236}">
-                <a16:creationId xmlns:a16="http://schemas.microsoft.com/office/drawing/2014/main" id="{8ACD3D3F-33D4-1235-7E77-267A81E0AFD4}"/>
+          <p:cNvPr id="9" name="그림 8" descr="텍스트, 스크린샷, 폰트, 라인이(가) 표시된 사진&#10;&#10;자동 생성된 설명">
+            <a:extLst>
+              <a:ext uri="{FF2B5EF4-FFF2-40B4-BE49-F238E27FC236}">
+                <a16:creationId xmlns:a16="http://schemas.microsoft.com/office/drawing/2014/main" id="{F78DB3F7-8989-F9CA-592D-CEEEA2ADD54B}"/>
               </a:ext>
             </a:extLst>
           </p:cNvPr>
@@ -4568,8 +4645,8 @@
         </p:blipFill>
         <p:spPr>
           <a:xfrm>
-            <a:off x="6818202" y="3085960"/>
-            <a:ext cx="1676400" cy="590550"/>
+            <a:off x="5474375" y="2589919"/>
+            <a:ext cx="4505325" cy="1428750"/>
           </a:xfrm>
           <a:prstGeom prst="rect">
             <a:avLst/>
@@ -4578,10 +4655,10 @@
       </p:pic>
       <p:pic>
         <p:nvPicPr>
-          <p:cNvPr id="11" name="그림 10" descr="폰트, 그래픽, 로고, 상징이(가) 표시된 사진&#10;&#10;자동 생성된 설명">
-            <a:extLst>
-              <a:ext uri="{FF2B5EF4-FFF2-40B4-BE49-F238E27FC236}">
-                <a16:creationId xmlns:a16="http://schemas.microsoft.com/office/drawing/2014/main" id="{B372EB22-85D3-AA91-F37F-1D043B8BA04C}"/>
+          <p:cNvPr id="11" name="그림 10" descr="텍스트, 스크린샷, 폰트이(가) 표시된 사진&#10;&#10;자동 생성된 설명">
+            <a:extLst>
+              <a:ext uri="{FF2B5EF4-FFF2-40B4-BE49-F238E27FC236}">
+                <a16:creationId xmlns:a16="http://schemas.microsoft.com/office/drawing/2014/main" id="{23F97D22-3887-F3E9-4702-EA75F4A7BAEC}"/>
               </a:ext>
             </a:extLst>
           </p:cNvPr>
@@ -4604,8 +4681,8 @@
         </p:blipFill>
         <p:spPr>
           <a:xfrm>
-            <a:off x="6722952" y="3895445"/>
-            <a:ext cx="1866900" cy="581025"/>
+            <a:off x="5421987" y="4029075"/>
+            <a:ext cx="4610100" cy="1352550"/>
           </a:xfrm>
           <a:prstGeom prst="rect">
             <a:avLst/>
@@ -4615,7 +4692,7 @@
     </p:spTree>
     <p:extLst>
       <p:ext uri="{BB962C8B-B14F-4D97-AF65-F5344CB8AC3E}">
-        <p14:creationId xmlns:p14="http://schemas.microsoft.com/office/powerpoint/2010/main" val="2766261629"/>
+        <p14:creationId xmlns:p14="http://schemas.microsoft.com/office/powerpoint/2010/main" val="831176947"/>
       </p:ext>
     </p:extLst>
   </p:cSld>
@@ -4647,7 +4724,7 @@
           <p:cNvPr id="2" name="제목 1">
             <a:extLst>
               <a:ext uri="{FF2B5EF4-FFF2-40B4-BE49-F238E27FC236}">
-                <a16:creationId xmlns:a16="http://schemas.microsoft.com/office/drawing/2014/main" id="{5E1AD27D-B576-EC57-C543-D447E9339B10}"/>
+                <a16:creationId xmlns:a16="http://schemas.microsoft.com/office/drawing/2014/main" id="{F613987C-3DD1-2316-5FEF-FFA86C4E7D83}"/>
               </a:ext>
             </a:extLst>
           </p:cNvPr>
@@ -4658,50 +4735,125 @@
             <p:ph type="title"/>
           </p:nvPr>
         </p:nvSpPr>
-        <p:spPr>
-          <a:xfrm>
-            <a:off x="991770" y="0"/>
-            <a:ext cx="9601200" cy="1485900"/>
-          </a:xfrm>
-        </p:spPr>
+        <p:spPr/>
         <p:txBody>
           <a:bodyPr/>
           <a:lstStyle/>
           <a:p>
             <a:r>
               <a:rPr lang="en-US" altLang="ko-KR" dirty="0"/>
-              <a:t>Feature2.</a:t>
-            </a:r>
-            <a:r>
-              <a:rPr lang="ko-KR" altLang="en-US" dirty="0"/>
-              <a:t> </a:t>
-            </a:r>
+              <a:t>Feature 1-2. color of air quality</a:t>
+            </a:r>
+            <a:endParaRPr lang="ko-KR" altLang="en-US" dirty="0"/>
+          </a:p>
+        </p:txBody>
+      </p:sp>
+      <p:sp>
+        <p:nvSpPr>
+          <p:cNvPr id="3" name="내용 개체 틀 2">
+            <a:extLst>
+              <a:ext uri="{FF2B5EF4-FFF2-40B4-BE49-F238E27FC236}">
+                <a16:creationId xmlns:a16="http://schemas.microsoft.com/office/drawing/2014/main" id="{0D84BF04-5256-B664-3249-FFD860BB65BC}"/>
+              </a:ext>
+            </a:extLst>
+          </p:cNvPr>
+          <p:cNvSpPr>
+            <a:spLocks noGrp="1"/>
+          </p:cNvSpPr>
+          <p:nvPr>
+            <p:ph idx="1"/>
+          </p:nvPr>
+        </p:nvSpPr>
+        <p:spPr/>
+        <p:txBody>
+          <a:bodyPr/>
+          <a:lstStyle/>
+          <a:p>
             <a:r>
               <a:rPr lang="en-US" altLang="ko-KR" dirty="0"/>
-              <a:t>temperature &amp; humidity chart</a:t>
-            </a:r>
+              <a:t>UK DEFRA INDEX</a:t>
+            </a:r>
+          </a:p>
+          <a:p>
+            <a:pPr lvl="1"/>
+            <a:r>
+              <a:rPr lang="en-US" altLang="ko-KR" dirty="0"/>
+              <a:t>Good: blue</a:t>
+            </a:r>
+          </a:p>
+          <a:p>
+            <a:pPr lvl="1"/>
+            <a:r>
+              <a:rPr lang="en-US" altLang="ko-KR" dirty="0"/>
+              <a:t>Moderate: green</a:t>
+            </a:r>
+          </a:p>
+          <a:p>
+            <a:pPr lvl="1"/>
+            <a:r>
+              <a:rPr lang="en-US" altLang="ko-KR" dirty="0"/>
+              <a:t>Bad: orange</a:t>
+            </a:r>
+          </a:p>
+          <a:p>
+            <a:pPr lvl="1"/>
+            <a:r>
+              <a:rPr lang="en-US" altLang="ko-KR" dirty="0"/>
+              <a:t>Very bad: red</a:t>
+            </a:r>
+            <a:endParaRPr lang="ko-KR" altLang="en-US" dirty="0"/>
+          </a:p>
+          <a:p>
             <a:endParaRPr lang="ko-KR" altLang="en-US" dirty="0"/>
           </a:p>
         </p:txBody>
       </p:sp>
       <p:pic>
         <p:nvPicPr>
-          <p:cNvPr id="5" name="내용 개체 틀 4" descr="그래프, 라인, 도표, 경사이(가) 표시된 사진&#10;&#10;자동 생성된 설명">
-            <a:extLst>
-              <a:ext uri="{FF2B5EF4-FFF2-40B4-BE49-F238E27FC236}">
-                <a16:creationId xmlns:a16="http://schemas.microsoft.com/office/drawing/2014/main" id="{434A0C9C-12F5-9251-55FF-81A71136D5CE}"/>
+          <p:cNvPr id="25" name="그림 24">
+            <a:extLst>
+              <a:ext uri="{FF2B5EF4-FFF2-40B4-BE49-F238E27FC236}">
+                <a16:creationId xmlns:a16="http://schemas.microsoft.com/office/drawing/2014/main" id="{C2277F8D-D18D-5736-BAFC-5E2394D5C630}"/>
               </a:ext>
             </a:extLst>
           </p:cNvPr>
           <p:cNvPicPr>
-            <a:picLocks noGrp="1" noChangeAspect="1"/>
+            <a:picLocks noChangeAspect="1"/>
           </p:cNvPicPr>
-          <p:nvPr>
-            <p:ph idx="1"/>
-          </p:nvPr>
+          <p:nvPr/>
         </p:nvPicPr>
         <p:blipFill>
-          <a:blip r:embed="rId2">
+          <a:blip r:embed="rId2"/>
+          <a:stretch>
+            <a:fillRect/>
+          </a:stretch>
+        </p:blipFill>
+        <p:spPr>
+          <a:xfrm>
+            <a:off x="1971021" y="5025301"/>
+            <a:ext cx="7160242" cy="1357391"/>
+          </a:xfrm>
+          <a:prstGeom prst="rect">
+            <a:avLst/>
+          </a:prstGeom>
+        </p:spPr>
+      </p:pic>
+      <p:pic>
+        <p:nvPicPr>
+          <p:cNvPr id="5" name="그림 4" descr="폰트, 로고, 그래픽, 상징이(가) 표시된 사진&#10;&#10;자동 생성된 설명">
+            <a:extLst>
+              <a:ext uri="{FF2B5EF4-FFF2-40B4-BE49-F238E27FC236}">
+                <a16:creationId xmlns:a16="http://schemas.microsoft.com/office/drawing/2014/main" id="{194AD915-0EF6-2BE7-D382-FA924BEFFC71}"/>
+              </a:ext>
+            </a:extLst>
+          </p:cNvPr>
+          <p:cNvPicPr>
+            <a:picLocks noChangeAspect="1"/>
+          </p:cNvPicPr>
+          <p:nvPr/>
+        </p:nvPicPr>
+        <p:blipFill>
+          <a:blip r:embed="rId3">
             <a:extLst>
               <a:ext uri="{28A0092B-C50C-407E-A947-70E740481C1C}">
                 <a14:useLocalDpi xmlns:a14="http://schemas.microsoft.com/office/drawing/2010/main" val="0"/>
@@ -4714,15 +4866,126 @@
         </p:blipFill>
         <p:spPr>
           <a:xfrm>
-            <a:off x="1108634" y="873658"/>
-            <a:ext cx="10800808" cy="5445659"/>
-          </a:xfrm>
+            <a:off x="6700649" y="1377843"/>
+            <a:ext cx="1876425" cy="676275"/>
+          </a:xfrm>
+          <a:prstGeom prst="rect">
+            <a:avLst/>
+          </a:prstGeom>
+        </p:spPr>
+      </p:pic>
+      <p:pic>
+        <p:nvPicPr>
+          <p:cNvPr id="7" name="그림 6" descr="폰트, 로고, 그래픽, 디자인이(가) 표시된 사진&#10;&#10;자동 생성된 설명">
+            <a:extLst>
+              <a:ext uri="{FF2B5EF4-FFF2-40B4-BE49-F238E27FC236}">
+                <a16:creationId xmlns:a16="http://schemas.microsoft.com/office/drawing/2014/main" id="{FB4E0796-A72A-5B4D-A4A9-50A42D293A8D}"/>
+              </a:ext>
+            </a:extLst>
+          </p:cNvPr>
+          <p:cNvPicPr>
+            <a:picLocks noChangeAspect="1"/>
+          </p:cNvPicPr>
+          <p:nvPr/>
+        </p:nvPicPr>
+        <p:blipFill>
+          <a:blip r:embed="rId4">
+            <a:extLst>
+              <a:ext uri="{28A0092B-C50C-407E-A947-70E740481C1C}">
+                <a14:useLocalDpi xmlns:a14="http://schemas.microsoft.com/office/drawing/2010/main" val="0"/>
+              </a:ext>
+            </a:extLst>
+          </a:blip>
+          <a:stretch>
+            <a:fillRect/>
+          </a:stretch>
+        </p:blipFill>
+        <p:spPr>
+          <a:xfrm>
+            <a:off x="6833998" y="2241994"/>
+            <a:ext cx="1609725" cy="657225"/>
+          </a:xfrm>
+          <a:prstGeom prst="rect">
+            <a:avLst/>
+          </a:prstGeom>
+        </p:spPr>
+      </p:pic>
+      <p:pic>
+        <p:nvPicPr>
+          <p:cNvPr id="9" name="그림 8" descr="폰트, 그래픽, 로고, 상징이(가) 표시된 사진&#10;&#10;자동 생성된 설명">
+            <a:extLst>
+              <a:ext uri="{FF2B5EF4-FFF2-40B4-BE49-F238E27FC236}">
+                <a16:creationId xmlns:a16="http://schemas.microsoft.com/office/drawing/2014/main" id="{8ACD3D3F-33D4-1235-7E77-267A81E0AFD4}"/>
+              </a:ext>
+            </a:extLst>
+          </p:cNvPr>
+          <p:cNvPicPr>
+            <a:picLocks noChangeAspect="1"/>
+          </p:cNvPicPr>
+          <p:nvPr/>
+        </p:nvPicPr>
+        <p:blipFill>
+          <a:blip r:embed="rId5">
+            <a:extLst>
+              <a:ext uri="{28A0092B-C50C-407E-A947-70E740481C1C}">
+                <a14:useLocalDpi xmlns:a14="http://schemas.microsoft.com/office/drawing/2010/main" val="0"/>
+              </a:ext>
+            </a:extLst>
+          </a:blip>
+          <a:stretch>
+            <a:fillRect/>
+          </a:stretch>
+        </p:blipFill>
+        <p:spPr>
+          <a:xfrm>
+            <a:off x="6818202" y="3085960"/>
+            <a:ext cx="1676400" cy="590550"/>
+          </a:xfrm>
+          <a:prstGeom prst="rect">
+            <a:avLst/>
+          </a:prstGeom>
+        </p:spPr>
+      </p:pic>
+      <p:pic>
+        <p:nvPicPr>
+          <p:cNvPr id="11" name="그림 10" descr="폰트, 그래픽, 로고, 상징이(가) 표시된 사진&#10;&#10;자동 생성된 설명">
+            <a:extLst>
+              <a:ext uri="{FF2B5EF4-FFF2-40B4-BE49-F238E27FC236}">
+                <a16:creationId xmlns:a16="http://schemas.microsoft.com/office/drawing/2014/main" id="{B372EB22-85D3-AA91-F37F-1D043B8BA04C}"/>
+              </a:ext>
+            </a:extLst>
+          </p:cNvPr>
+          <p:cNvPicPr>
+            <a:picLocks noChangeAspect="1"/>
+          </p:cNvPicPr>
+          <p:nvPr/>
+        </p:nvPicPr>
+        <p:blipFill>
+          <a:blip r:embed="rId6">
+            <a:extLst>
+              <a:ext uri="{28A0092B-C50C-407E-A947-70E740481C1C}">
+                <a14:useLocalDpi xmlns:a14="http://schemas.microsoft.com/office/drawing/2010/main" val="0"/>
+              </a:ext>
+            </a:extLst>
+          </a:blip>
+          <a:stretch>
+            <a:fillRect/>
+          </a:stretch>
+        </p:blipFill>
+        <p:spPr>
+          <a:xfrm>
+            <a:off x="6722952" y="3895445"/>
+            <a:ext cx="1866900" cy="581025"/>
+          </a:xfrm>
+          <a:prstGeom prst="rect">
+            <a:avLst/>
+          </a:prstGeom>
         </p:spPr>
       </p:pic>
     </p:spTree>
     <p:extLst>
       <p:ext uri="{BB962C8B-B14F-4D97-AF65-F5344CB8AC3E}">
-        <p14:creationId xmlns:p14="http://schemas.microsoft.com/office/powerpoint/2010/main" val="923637040"/>
+        <p14:creationId xmlns:p14="http://schemas.microsoft.com/office/powerpoint/2010/main" val="2766261629"/>
       </p:ext>
     </p:extLst>
   </p:cSld>
@@ -4754,7 +5017,7 @@
           <p:cNvPr id="2" name="제목 1">
             <a:extLst>
               <a:ext uri="{FF2B5EF4-FFF2-40B4-BE49-F238E27FC236}">
-                <a16:creationId xmlns:a16="http://schemas.microsoft.com/office/drawing/2014/main" id="{0A6D2FDB-17E3-8C24-ADDC-1B0372B5A1D7}"/>
+                <a16:creationId xmlns:a16="http://schemas.microsoft.com/office/drawing/2014/main" id="{5E1AD27D-B576-EC57-C543-D447E9339B10}"/>
               </a:ext>
             </a:extLst>
           </p:cNvPr>
@@ -4765,7 +5028,12 @@
             <p:ph type="title"/>
           </p:nvPr>
         </p:nvSpPr>
-        <p:spPr/>
+        <p:spPr>
+          <a:xfrm>
+            <a:off x="991770" y="0"/>
+            <a:ext cx="9601200" cy="1485900"/>
+          </a:xfrm>
+        </p:spPr>
         <p:txBody>
           <a:bodyPr/>
           <a:lstStyle/>
@@ -4786,44 +5054,21 @@
           </a:p>
         </p:txBody>
       </p:sp>
-      <p:sp>
-        <p:nvSpPr>
-          <p:cNvPr id="3" name="내용 개체 틀 2">
-            <a:extLst>
-              <a:ext uri="{FF2B5EF4-FFF2-40B4-BE49-F238E27FC236}">
-                <a16:creationId xmlns:a16="http://schemas.microsoft.com/office/drawing/2014/main" id="{DBFA1B27-8D4B-B27D-C292-0883D7A06D71}"/>
-              </a:ext>
-            </a:extLst>
-          </p:cNvPr>
-          <p:cNvSpPr>
-            <a:spLocks noGrp="1"/>
-          </p:cNvSpPr>
-          <p:nvPr>
-            <p:ph idx="1"/>
-          </p:nvPr>
-        </p:nvSpPr>
-        <p:spPr/>
-        <p:txBody>
-          <a:bodyPr/>
-          <a:lstStyle/>
-          <a:p>
-            <a:endParaRPr lang="ko-KR" altLang="en-US"/>
-          </a:p>
-        </p:txBody>
-      </p:sp>
       <p:pic>
         <p:nvPicPr>
-          <p:cNvPr id="7" name="그림 6" descr="그래프, 라인, 도표, 텍스트이(가) 표시된 사진&#10;&#10;자동 생성된 설명">
-            <a:extLst>
-              <a:ext uri="{FF2B5EF4-FFF2-40B4-BE49-F238E27FC236}">
-                <a16:creationId xmlns:a16="http://schemas.microsoft.com/office/drawing/2014/main" id="{7D320AD7-106F-1580-66D2-DD614840312C}"/>
+          <p:cNvPr id="5" name="내용 개체 틀 4" descr="그래프, 라인, 도표, 경사이(가) 표시된 사진&#10;&#10;자동 생성된 설명">
+            <a:extLst>
+              <a:ext uri="{FF2B5EF4-FFF2-40B4-BE49-F238E27FC236}">
+                <a16:creationId xmlns:a16="http://schemas.microsoft.com/office/drawing/2014/main" id="{434A0C9C-12F5-9251-55FF-81A71136D5CE}"/>
               </a:ext>
             </a:extLst>
           </p:cNvPr>
           <p:cNvPicPr>
-            <a:picLocks noChangeAspect="1"/>
+            <a:picLocks noGrp="1" noChangeAspect="1"/>
           </p:cNvPicPr>
-          <p:nvPr/>
+          <p:nvPr>
+            <p:ph idx="1"/>
+          </p:nvPr>
         </p:nvPicPr>
         <p:blipFill>
           <a:blip r:embed="rId2">
@@ -4839,18 +5084,51 @@
         </p:blipFill>
         <p:spPr>
           <a:xfrm>
-            <a:off x="1929675" y="1842726"/>
-            <a:ext cx="8794154" cy="4467948"/>
+            <a:off x="991770" y="1311403"/>
+            <a:ext cx="10800808" cy="5445659"/>
+          </a:xfrm>
+        </p:spPr>
+      </p:pic>
+      <p:sp>
+        <p:nvSpPr>
+          <p:cNvPr id="3" name="TextBox 2">
+            <a:extLst>
+              <a:ext uri="{FF2B5EF4-FFF2-40B4-BE49-F238E27FC236}">
+                <a16:creationId xmlns:a16="http://schemas.microsoft.com/office/drawing/2014/main" id="{73B587C4-7896-9B0F-B176-31CDC4D09950}"/>
+              </a:ext>
+            </a:extLst>
+          </p:cNvPr>
+          <p:cNvSpPr txBox="1"/>
+          <p:nvPr/>
+        </p:nvSpPr>
+        <p:spPr>
+          <a:xfrm>
+            <a:off x="1196502" y="963038"/>
+            <a:ext cx="4136902" cy="369332"/>
           </a:xfrm>
           <a:prstGeom prst="rect">
             <a:avLst/>
           </a:prstGeom>
-        </p:spPr>
-      </p:pic>
+          <a:noFill/>
+        </p:spPr>
+        <p:txBody>
+          <a:bodyPr wrap="none" rtlCol="0">
+            <a:spAutoFit/>
+          </a:bodyPr>
+          <a:lstStyle/>
+          <a:p>
+            <a:r>
+              <a:rPr lang="en-US" altLang="ko-KR" dirty="0"/>
+              <a:t>Temperature 3day forecast chart by hour</a:t>
+            </a:r>
+            <a:endParaRPr lang="ko-KR" altLang="en-US" dirty="0"/>
+          </a:p>
+        </p:txBody>
+      </p:sp>
     </p:spTree>
     <p:extLst>
       <p:ext uri="{BB962C8B-B14F-4D97-AF65-F5344CB8AC3E}">
-        <p14:creationId xmlns:p14="http://schemas.microsoft.com/office/powerpoint/2010/main" val="976340755"/>
+        <p14:creationId xmlns:p14="http://schemas.microsoft.com/office/powerpoint/2010/main" val="923637040"/>
       </p:ext>
     </p:extLst>
   </p:cSld>
@@ -4882,7 +5160,7 @@
           <p:cNvPr id="2" name="제목 1">
             <a:extLst>
               <a:ext uri="{FF2B5EF4-FFF2-40B4-BE49-F238E27FC236}">
-                <a16:creationId xmlns:a16="http://schemas.microsoft.com/office/drawing/2014/main" id="{9CB9CF61-2E89-9372-556C-E62550BD9A36}"/>
+                <a16:creationId xmlns:a16="http://schemas.microsoft.com/office/drawing/2014/main" id="{0A6D2FDB-17E3-8C24-ADDC-1B0372B5A1D7}"/>
               </a:ext>
             </a:extLst>
           </p:cNvPr>
@@ -4900,53 +5178,51 @@
           <a:p>
             <a:r>
               <a:rPr lang="en-US" altLang="ko-KR" dirty="0"/>
-              <a:t>Feature3. Air pollutants chart</a:t>
-            </a:r>
+              <a:t>Feature2.</a:t>
+            </a:r>
+            <a:r>
+              <a:rPr lang="ko-KR" altLang="en-US" dirty="0"/>
+              <a:t> </a:t>
+            </a:r>
+            <a:r>
+              <a:rPr lang="en-US" altLang="ko-KR" dirty="0"/>
+              <a:t>temperature &amp; humidity chart</a:t>
+            </a:r>
+            <a:endParaRPr lang="ko-KR" altLang="en-US" dirty="0"/>
+          </a:p>
+        </p:txBody>
+      </p:sp>
+      <p:sp>
+        <p:nvSpPr>
+          <p:cNvPr id="3" name="내용 개체 틀 2">
+            <a:extLst>
+              <a:ext uri="{FF2B5EF4-FFF2-40B4-BE49-F238E27FC236}">
+                <a16:creationId xmlns:a16="http://schemas.microsoft.com/office/drawing/2014/main" id="{DBFA1B27-8D4B-B27D-C292-0883D7A06D71}"/>
+              </a:ext>
+            </a:extLst>
+          </p:cNvPr>
+          <p:cNvSpPr>
+            <a:spLocks noGrp="1"/>
+          </p:cNvSpPr>
+          <p:nvPr>
+            <p:ph idx="1"/>
+          </p:nvPr>
+        </p:nvSpPr>
+        <p:spPr/>
+        <p:txBody>
+          <a:bodyPr/>
+          <a:lstStyle/>
+          <a:p>
             <a:endParaRPr lang="ko-KR" altLang="en-US" dirty="0"/>
           </a:p>
         </p:txBody>
       </p:sp>
       <p:pic>
         <p:nvPicPr>
-          <p:cNvPr id="5" name="내용 개체 틀 4" descr="스크린샷, 그래프, 도표, 라인이(가) 표시된 사진&#10;&#10;자동 생성된 설명">
-            <a:extLst>
-              <a:ext uri="{FF2B5EF4-FFF2-40B4-BE49-F238E27FC236}">
-                <a16:creationId xmlns:a16="http://schemas.microsoft.com/office/drawing/2014/main" id="{898E07D0-C0C8-0E45-4B52-5DC331BE10B4}"/>
-              </a:ext>
-            </a:extLst>
-          </p:cNvPr>
-          <p:cNvPicPr>
-            <a:picLocks noGrp="1" noChangeAspect="1"/>
-          </p:cNvPicPr>
-          <p:nvPr>
-            <p:ph idx="1"/>
-          </p:nvPr>
-        </p:nvPicPr>
-        <p:blipFill>
-          <a:blip r:embed="rId2">
-            <a:extLst>
-              <a:ext uri="{28A0092B-C50C-407E-A947-70E740481C1C}">
-                <a14:useLocalDpi xmlns:a14="http://schemas.microsoft.com/office/drawing/2010/main" val="0"/>
-              </a:ext>
-            </a:extLst>
-          </a:blip>
-          <a:stretch>
-            <a:fillRect/>
-          </a:stretch>
-        </p:blipFill>
-        <p:spPr>
-          <a:xfrm>
-            <a:off x="1109904" y="1290119"/>
-            <a:ext cx="6480628" cy="3581400"/>
-          </a:xfrm>
-        </p:spPr>
-      </p:pic>
-      <p:pic>
-        <p:nvPicPr>
-          <p:cNvPr id="7" name="그림 6" descr="원, 스크린샷, 다채로움, 도표이(가) 표시된 사진&#10;&#10;자동 생성된 설명">
-            <a:extLst>
-              <a:ext uri="{FF2B5EF4-FFF2-40B4-BE49-F238E27FC236}">
-                <a16:creationId xmlns:a16="http://schemas.microsoft.com/office/drawing/2014/main" id="{5F3CAFE5-EED2-9235-E319-4A17E544D6B8}"/>
+          <p:cNvPr id="7" name="그림 6" descr="그래프, 라인, 도표, 텍스트이(가) 표시된 사진&#10;&#10;자동 생성된 설명">
+            <a:extLst>
+              <a:ext uri="{FF2B5EF4-FFF2-40B4-BE49-F238E27FC236}">
+                <a16:creationId xmlns:a16="http://schemas.microsoft.com/office/drawing/2014/main" id="{7D320AD7-106F-1580-66D2-DD614840312C}"/>
               </a:ext>
             </a:extLst>
           </p:cNvPr>
@@ -4956,7 +5232,7 @@
           <p:nvPr/>
         </p:nvPicPr>
         <p:blipFill>
-          <a:blip r:embed="rId3">
+          <a:blip r:embed="rId2">
             <a:extLst>
               <a:ext uri="{28A0092B-C50C-407E-A947-70E740481C1C}">
                 <a14:useLocalDpi xmlns:a14="http://schemas.microsoft.com/office/drawing/2010/main" val="0"/>
@@ -4969,50 +5245,20 @@
         </p:blipFill>
         <p:spPr>
           <a:xfrm>
-            <a:off x="7590532" y="1290119"/>
-            <a:ext cx="4601468" cy="4879942"/>
+            <a:off x="1929675" y="1842726"/>
+            <a:ext cx="8794154" cy="4467948"/>
           </a:xfrm>
           <a:prstGeom prst="rect">
             <a:avLst/>
           </a:prstGeom>
         </p:spPr>
       </p:pic>
-      <p:pic>
-        <p:nvPicPr>
-          <p:cNvPr id="9" name="그림 8">
-            <a:extLst>
-              <a:ext uri="{FF2B5EF4-FFF2-40B4-BE49-F238E27FC236}">
-                <a16:creationId xmlns:a16="http://schemas.microsoft.com/office/drawing/2014/main" id="{A9D31A06-42AF-EC58-AF3F-5F44541ABA92}"/>
-              </a:ext>
-            </a:extLst>
-          </p:cNvPr>
-          <p:cNvPicPr>
-            <a:picLocks noChangeAspect="1"/>
-          </p:cNvPicPr>
-          <p:nvPr/>
-        </p:nvPicPr>
-        <p:blipFill>
-          <a:blip r:embed="rId4"/>
-          <a:stretch>
-            <a:fillRect/>
-          </a:stretch>
-        </p:blipFill>
-        <p:spPr>
-          <a:xfrm>
-            <a:off x="1112681" y="5311194"/>
-            <a:ext cx="2245590" cy="1138079"/>
-          </a:xfrm>
-          <a:prstGeom prst="rect">
-            <a:avLst/>
-          </a:prstGeom>
-        </p:spPr>
-      </p:pic>
-      <p:sp>
-        <p:nvSpPr>
-          <p:cNvPr id="10" name="TextBox 9">
-            <a:extLst>
-              <a:ext uri="{FF2B5EF4-FFF2-40B4-BE49-F238E27FC236}">
-                <a16:creationId xmlns:a16="http://schemas.microsoft.com/office/drawing/2014/main" id="{F1A717DD-0F03-1293-3C8B-996EFD910A87}"/>
+      <p:sp>
+        <p:nvSpPr>
+          <p:cNvPr id="5" name="TextBox 4">
+            <a:extLst>
+              <a:ext uri="{FF2B5EF4-FFF2-40B4-BE49-F238E27FC236}">
+                <a16:creationId xmlns:a16="http://schemas.microsoft.com/office/drawing/2014/main" id="{F1DB4B14-493B-0BCA-DBB0-A09363B4D451}"/>
               </a:ext>
             </a:extLst>
           </p:cNvPr>
@@ -5021,8 +5267,8 @@
         </p:nvSpPr>
         <p:spPr>
           <a:xfrm>
-            <a:off x="3892990" y="5311194"/>
-            <a:ext cx="3330399" cy="646331"/>
+            <a:off x="1929675" y="1416244"/>
+            <a:ext cx="6094378" cy="369332"/>
           </a:xfrm>
           <a:prstGeom prst="rect">
             <a:avLst/>
@@ -5030,20 +5276,14 @@
           <a:noFill/>
         </p:spPr>
         <p:txBody>
-          <a:bodyPr wrap="none" rtlCol="0">
+          <a:bodyPr wrap="square">
             <a:spAutoFit/>
           </a:bodyPr>
           <a:lstStyle/>
           <a:p>
             <a:r>
               <a:rPr lang="en-US" altLang="ko-KR" dirty="0"/>
-              <a:t>The color of air quality bar chart </a:t>
-            </a:r>
-          </a:p>
-          <a:p>
-            <a:r>
-              <a:rPr lang="en-US" altLang="ko-KR" dirty="0"/>
-              <a:t>is the color of air quality</a:t>
+              <a:t>humidity 3day forecast chart by hour</a:t>
             </a:r>
             <a:endParaRPr lang="ko-KR" altLang="en-US" dirty="0"/>
           </a:p>
@@ -5052,7 +5292,7 @@
     </p:spTree>
     <p:extLst>
       <p:ext uri="{BB962C8B-B14F-4D97-AF65-F5344CB8AC3E}">
-        <p14:creationId xmlns:p14="http://schemas.microsoft.com/office/powerpoint/2010/main" val="4237890225"/>
+        <p14:creationId xmlns:p14="http://schemas.microsoft.com/office/powerpoint/2010/main" val="976340755"/>
       </p:ext>
     </p:extLst>
   </p:cSld>
@@ -5067,7 +5307,13 @@
   <p:cSld>
     <p:spTree>
       <p:nvGrpSpPr>
-        <p:cNvPr id="1" name=""/>
+        <p:cNvPr id="1" name="">
+          <a:extLst>
+            <a:ext uri="{FF2B5EF4-FFF2-40B4-BE49-F238E27FC236}">
+              <a16:creationId xmlns:a16="http://schemas.microsoft.com/office/drawing/2014/main" id="{61928834-10AE-A448-C795-F1EEB816E9D3}"/>
+            </a:ext>
+          </a:extLst>
+        </p:cNvPr>
         <p:cNvGrpSpPr/>
         <p:nvPr/>
       </p:nvGrpSpPr>
@@ -5084,7 +5330,7 @@
           <p:cNvPr id="2" name="제목 1">
             <a:extLst>
               <a:ext uri="{FF2B5EF4-FFF2-40B4-BE49-F238E27FC236}">
-                <a16:creationId xmlns:a16="http://schemas.microsoft.com/office/drawing/2014/main" id="{0FA87FC9-BF91-9885-5472-10583C3A5BFD}"/>
+                <a16:creationId xmlns:a16="http://schemas.microsoft.com/office/drawing/2014/main" id="{159666A3-BA6B-A749-FA5A-3D853BFC589A}"/>
               </a:ext>
             </a:extLst>
           </p:cNvPr>
@@ -5102,103 +5348,61 @@
           <a:p>
             <a:r>
               <a:rPr lang="en-US" altLang="ko-KR" dirty="0"/>
-              <a:t>Feature4. CSV file dashboard</a:t>
-            </a:r>
-            <a:endParaRPr lang="ko-KR" altLang="en-US" dirty="0"/>
-          </a:p>
-        </p:txBody>
-      </p:sp>
-      <p:sp>
-        <p:nvSpPr>
-          <p:cNvPr id="3" name="내용 개체 틀 2">
-            <a:extLst>
-              <a:ext uri="{FF2B5EF4-FFF2-40B4-BE49-F238E27FC236}">
-                <a16:creationId xmlns:a16="http://schemas.microsoft.com/office/drawing/2014/main" id="{193CFA19-86A3-B30E-512B-0EC67687AE51}"/>
-              </a:ext>
-            </a:extLst>
-          </p:cNvPr>
-          <p:cNvSpPr>
-            <a:spLocks noGrp="1"/>
-          </p:cNvSpPr>
-          <p:nvPr>
-            <p:ph idx="1"/>
-          </p:nvPr>
-        </p:nvSpPr>
-        <p:spPr/>
-        <p:txBody>
-          <a:bodyPr/>
-          <a:lstStyle/>
-          <a:p>
+              <a:t>Feature2.</a:t>
+            </a:r>
+            <a:r>
+              <a:rPr lang="ko-KR" altLang="en-US" dirty="0"/>
+              <a:t> </a:t>
+            </a:r>
+            <a:r>
+              <a:rPr lang="en-US" altLang="ko-KR" dirty="0"/>
+              <a:t>temperature &amp; humidity chart</a:t>
+            </a:r>
             <a:endParaRPr lang="ko-KR" altLang="en-US" dirty="0"/>
           </a:p>
         </p:txBody>
       </p:sp>
       <p:pic>
         <p:nvPicPr>
-          <p:cNvPr id="5" name="그림 4">
-            <a:extLst>
-              <a:ext uri="{FF2B5EF4-FFF2-40B4-BE49-F238E27FC236}">
-                <a16:creationId xmlns:a16="http://schemas.microsoft.com/office/drawing/2014/main" id="{B9234413-7FDD-E240-011A-ADE8053FF109}"/>
+          <p:cNvPr id="5" name="내용 개체 틀 4">
+            <a:extLst>
+              <a:ext uri="{FF2B5EF4-FFF2-40B4-BE49-F238E27FC236}">
+                <a16:creationId xmlns:a16="http://schemas.microsoft.com/office/drawing/2014/main" id="{EFFD2FDE-9005-5394-DFC0-6907CE969AC9}"/>
               </a:ext>
             </a:extLst>
           </p:cNvPr>
           <p:cNvPicPr>
-            <a:picLocks noChangeAspect="1"/>
+            <a:picLocks noGrp="1" noChangeAspect="1"/>
           </p:cNvPicPr>
-          <p:nvPr/>
+          <p:nvPr>
+            <p:ph idx="1"/>
+          </p:nvPr>
         </p:nvPicPr>
         <p:blipFill>
-          <a:blip r:embed="rId2"/>
+          <a:blip r:embed="rId2">
+            <a:extLst>
+              <a:ext uri="{28A0092B-C50C-407E-A947-70E740481C1C}">
+                <a14:useLocalDpi xmlns:a14="http://schemas.microsoft.com/office/drawing/2010/main" val="0"/>
+              </a:ext>
+            </a:extLst>
+          </a:blip>
           <a:stretch>
             <a:fillRect/>
           </a:stretch>
         </p:blipFill>
         <p:spPr>
           <a:xfrm>
-            <a:off x="815661" y="1346218"/>
-            <a:ext cx="8120110" cy="3842691"/>
-          </a:xfrm>
-          <a:prstGeom prst="rect">
-            <a:avLst/>
-          </a:prstGeom>
+            <a:off x="3885187" y="1846627"/>
+            <a:ext cx="4256864" cy="2404056"/>
+          </a:xfrm>
         </p:spPr>
       </p:pic>
-      <p:pic>
-        <p:nvPicPr>
-          <p:cNvPr id="7" name="그림 6">
-            <a:extLst>
-              <a:ext uri="{FF2B5EF4-FFF2-40B4-BE49-F238E27FC236}">
-                <a16:creationId xmlns:a16="http://schemas.microsoft.com/office/drawing/2014/main" id="{879F4F9D-5D38-9ADD-0901-756DB78B2C3C}"/>
-              </a:ext>
-            </a:extLst>
-          </p:cNvPr>
-          <p:cNvPicPr>
-            <a:picLocks noChangeAspect="1"/>
-          </p:cNvPicPr>
-          <p:nvPr/>
-        </p:nvPicPr>
-        <p:blipFill>
-          <a:blip r:embed="rId3"/>
-          <a:stretch>
-            <a:fillRect/>
-          </a:stretch>
-        </p:blipFill>
-        <p:spPr>
-          <a:xfrm>
-            <a:off x="6792875" y="1747319"/>
-            <a:ext cx="5397670" cy="5110681"/>
-          </a:xfrm>
-          <a:prstGeom prst="rect">
-            <a:avLst/>
-          </a:prstGeom>
-        </p:spPr>
-      </p:pic>
-      <p:sp>
-        <p:nvSpPr>
-          <p:cNvPr id="8" name="TextBox 7">
-            <a:extLst>
-              <a:ext uri="{FF2B5EF4-FFF2-40B4-BE49-F238E27FC236}">
-                <a16:creationId xmlns:a16="http://schemas.microsoft.com/office/drawing/2014/main" id="{288EFAE2-28D3-BBDF-86B0-3401404CFD57}"/>
+      <p:sp>
+        <p:nvSpPr>
+          <p:cNvPr id="6" name="TextBox 5">
+            <a:extLst>
+              <a:ext uri="{FF2B5EF4-FFF2-40B4-BE49-F238E27FC236}">
+                <a16:creationId xmlns:a16="http://schemas.microsoft.com/office/drawing/2014/main" id="{F472683C-A0E0-ADD2-414A-5AADB3A2946F}"/>
               </a:ext>
             </a:extLst>
           </p:cNvPr>
@@ -5207,8 +5411,8 @@
         </p:nvSpPr>
         <p:spPr>
           <a:xfrm>
-            <a:off x="1004934" y="5393203"/>
-            <a:ext cx="5787941" cy="923330"/>
+            <a:off x="1692613" y="4805464"/>
+            <a:ext cx="5525680" cy="369332"/>
           </a:xfrm>
           <a:prstGeom prst="rect">
             <a:avLst/>
@@ -5216,36 +5420,14 @@
           <a:noFill/>
         </p:spPr>
         <p:txBody>
-          <a:bodyPr wrap="square" rtlCol="0">
+          <a:bodyPr wrap="none" rtlCol="0">
             <a:spAutoFit/>
           </a:bodyPr>
           <a:lstStyle/>
           <a:p>
             <a:r>
               <a:rPr lang="en-US" altLang="ko-KR" dirty="0"/>
-              <a:t>Time, </a:t>
-            </a:r>
-            <a:r>
-              <a:rPr lang="en-US" altLang="ko-KR" dirty="0" err="1"/>
-              <a:t>cityname</a:t>
-            </a:r>
-            <a:r>
-              <a:rPr lang="en-US" altLang="ko-KR" dirty="0"/>
-              <a:t>, country, temperature, humidity ,</a:t>
-            </a:r>
-            <a:r>
-              <a:rPr lang="en-US" altLang="ko-KR" dirty="0" err="1"/>
-              <a:t>feelslike</a:t>
-            </a:r>
-            <a:r>
-              <a:rPr lang="en-US" altLang="ko-KR" dirty="0"/>
-              <a:t>, wind, </a:t>
-            </a:r>
-          </a:p>
-          <a:p>
-            <a:r>
-              <a:rPr lang="en-US" altLang="ko-KR" dirty="0"/>
-              <a:t>pm10,pm2.5, co2, Nox, NH3, SO2,VOC,defra_index</a:t>
+              <a:t>You can check the value of the chart by hover the chart</a:t>
             </a:r>
             <a:endParaRPr lang="ko-KR" altLang="en-US" dirty="0"/>
           </a:p>
@@ -5254,7 +5436,7 @@
     </p:spTree>
     <p:extLst>
       <p:ext uri="{BB962C8B-B14F-4D97-AF65-F5344CB8AC3E}">
-        <p14:creationId xmlns:p14="http://schemas.microsoft.com/office/powerpoint/2010/main" val="3298533312"/>
+        <p14:creationId xmlns:p14="http://schemas.microsoft.com/office/powerpoint/2010/main" val="4093899862"/>
       </p:ext>
     </p:extLst>
   </p:cSld>
@@ -5286,7 +5468,7 @@
           <p:cNvPr id="2" name="제목 1">
             <a:extLst>
               <a:ext uri="{FF2B5EF4-FFF2-40B4-BE49-F238E27FC236}">
-                <a16:creationId xmlns:a16="http://schemas.microsoft.com/office/drawing/2014/main" id="{E2DCA847-026C-D0A1-93B8-84836053FC06}"/>
+                <a16:creationId xmlns:a16="http://schemas.microsoft.com/office/drawing/2014/main" id="{9CB9CF61-2E89-9372-556C-E62550BD9A36}"/>
               </a:ext>
             </a:extLst>
           </p:cNvPr>
@@ -5304,26 +5486,199 @@
           <a:p>
             <a:r>
               <a:rPr lang="en-US" altLang="ko-KR" dirty="0"/>
-              <a:t>Feature5. about</a:t>
+              <a:t>Feature3. Air pollutants chart</a:t>
             </a:r>
             <a:endParaRPr lang="ko-KR" altLang="en-US" dirty="0"/>
           </a:p>
         </p:txBody>
       </p:sp>
-      <p:sp>
-        <p:nvSpPr>
-          <p:cNvPr id="3" name="내용 개체 틀 2">
-            <a:extLst>
-              <a:ext uri="{FF2B5EF4-FFF2-40B4-BE49-F238E27FC236}">
-                <a16:creationId xmlns:a16="http://schemas.microsoft.com/office/drawing/2014/main" id="{6ABF68C3-AC75-4A6B-7318-6F9E2D8F5654}"/>
-              </a:ext>
-            </a:extLst>
-          </p:cNvPr>
-          <p:cNvSpPr>
-            <a:spLocks noGrp="1"/>
-          </p:cNvSpPr>
+      <p:pic>
+        <p:nvPicPr>
+          <p:cNvPr id="5" name="내용 개체 틀 4" descr="스크린샷, 그래프, 도표, 라인이(가) 표시된 사진&#10;&#10;자동 생성된 설명">
+            <a:extLst>
+              <a:ext uri="{FF2B5EF4-FFF2-40B4-BE49-F238E27FC236}">
+                <a16:creationId xmlns:a16="http://schemas.microsoft.com/office/drawing/2014/main" id="{898E07D0-C0C8-0E45-4B52-5DC331BE10B4}"/>
+              </a:ext>
+            </a:extLst>
+          </p:cNvPr>
+          <p:cNvPicPr>
+            <a:picLocks noGrp="1" noChangeAspect="1"/>
+          </p:cNvPicPr>
           <p:nvPr>
             <p:ph idx="1"/>
+          </p:nvPr>
+        </p:nvPicPr>
+        <p:blipFill>
+          <a:blip r:embed="rId2">
+            <a:extLst>
+              <a:ext uri="{28A0092B-C50C-407E-A947-70E740481C1C}">
+                <a14:useLocalDpi xmlns:a14="http://schemas.microsoft.com/office/drawing/2010/main" val="0"/>
+              </a:ext>
+            </a:extLst>
+          </a:blip>
+          <a:stretch>
+            <a:fillRect/>
+          </a:stretch>
+        </p:blipFill>
+        <p:spPr>
+          <a:xfrm>
+            <a:off x="1109904" y="1290119"/>
+            <a:ext cx="6480628" cy="3581400"/>
+          </a:xfrm>
+        </p:spPr>
+      </p:pic>
+      <p:pic>
+        <p:nvPicPr>
+          <p:cNvPr id="7" name="그림 6" descr="원, 스크린샷, 다채로움, 도표이(가) 표시된 사진&#10;&#10;자동 생성된 설명">
+            <a:extLst>
+              <a:ext uri="{FF2B5EF4-FFF2-40B4-BE49-F238E27FC236}">
+                <a16:creationId xmlns:a16="http://schemas.microsoft.com/office/drawing/2014/main" id="{5F3CAFE5-EED2-9235-E319-4A17E544D6B8}"/>
+              </a:ext>
+            </a:extLst>
+          </p:cNvPr>
+          <p:cNvPicPr>
+            <a:picLocks noChangeAspect="1"/>
+          </p:cNvPicPr>
+          <p:nvPr/>
+        </p:nvPicPr>
+        <p:blipFill>
+          <a:blip r:embed="rId3">
+            <a:extLst>
+              <a:ext uri="{28A0092B-C50C-407E-A947-70E740481C1C}">
+                <a14:useLocalDpi xmlns:a14="http://schemas.microsoft.com/office/drawing/2010/main" val="0"/>
+              </a:ext>
+            </a:extLst>
+          </a:blip>
+          <a:stretch>
+            <a:fillRect/>
+          </a:stretch>
+        </p:blipFill>
+        <p:spPr>
+          <a:xfrm>
+            <a:off x="7590532" y="1290119"/>
+            <a:ext cx="4601468" cy="4879942"/>
+          </a:xfrm>
+          <a:prstGeom prst="rect">
+            <a:avLst/>
+          </a:prstGeom>
+        </p:spPr>
+      </p:pic>
+      <p:pic>
+        <p:nvPicPr>
+          <p:cNvPr id="9" name="그림 8">
+            <a:extLst>
+              <a:ext uri="{FF2B5EF4-FFF2-40B4-BE49-F238E27FC236}">
+                <a16:creationId xmlns:a16="http://schemas.microsoft.com/office/drawing/2014/main" id="{A9D31A06-42AF-EC58-AF3F-5F44541ABA92}"/>
+              </a:ext>
+            </a:extLst>
+          </p:cNvPr>
+          <p:cNvPicPr>
+            <a:picLocks noChangeAspect="1"/>
+          </p:cNvPicPr>
+          <p:nvPr/>
+        </p:nvPicPr>
+        <p:blipFill>
+          <a:blip r:embed="rId4"/>
+          <a:stretch>
+            <a:fillRect/>
+          </a:stretch>
+        </p:blipFill>
+        <p:spPr>
+          <a:xfrm>
+            <a:off x="1112681" y="5311194"/>
+            <a:ext cx="2245590" cy="1138079"/>
+          </a:xfrm>
+          <a:prstGeom prst="rect">
+            <a:avLst/>
+          </a:prstGeom>
+        </p:spPr>
+      </p:pic>
+      <p:sp>
+        <p:nvSpPr>
+          <p:cNvPr id="10" name="TextBox 9">
+            <a:extLst>
+              <a:ext uri="{FF2B5EF4-FFF2-40B4-BE49-F238E27FC236}">
+                <a16:creationId xmlns:a16="http://schemas.microsoft.com/office/drawing/2014/main" id="{F1A717DD-0F03-1293-3C8B-996EFD910A87}"/>
+              </a:ext>
+            </a:extLst>
+          </p:cNvPr>
+          <p:cNvSpPr txBox="1"/>
+          <p:nvPr/>
+        </p:nvSpPr>
+        <p:spPr>
+          <a:xfrm>
+            <a:off x="3892990" y="5311194"/>
+            <a:ext cx="3330399" cy="646331"/>
+          </a:xfrm>
+          <a:prstGeom prst="rect">
+            <a:avLst/>
+          </a:prstGeom>
+          <a:noFill/>
+        </p:spPr>
+        <p:txBody>
+          <a:bodyPr wrap="none" rtlCol="0">
+            <a:spAutoFit/>
+          </a:bodyPr>
+          <a:lstStyle/>
+          <a:p>
+            <a:r>
+              <a:rPr lang="en-US" altLang="ko-KR" dirty="0"/>
+              <a:t>The color of air quality bar chart </a:t>
+            </a:r>
+          </a:p>
+          <a:p>
+            <a:r>
+              <a:rPr lang="en-US" altLang="ko-KR" dirty="0"/>
+              <a:t>is the color of air quality</a:t>
+            </a:r>
+            <a:endParaRPr lang="ko-KR" altLang="en-US" dirty="0"/>
+          </a:p>
+        </p:txBody>
+      </p:sp>
+    </p:spTree>
+    <p:extLst>
+      <p:ext uri="{BB962C8B-B14F-4D97-AF65-F5344CB8AC3E}">
+        <p14:creationId xmlns:p14="http://schemas.microsoft.com/office/powerpoint/2010/main" val="4237890225"/>
+      </p:ext>
+    </p:extLst>
+  </p:cSld>
+  <p:clrMapOvr>
+    <a:masterClrMapping/>
+  </p:clrMapOvr>
+</p:sld>
+</file>
+
+<file path=ppt/slides/slide16.xml><?xml version="1.0" encoding="utf-8"?>
+<p:sld xmlns:a="http://schemas.openxmlformats.org/drawingml/2006/main" xmlns:r="http://schemas.openxmlformats.org/officeDocument/2006/relationships" xmlns:p="http://schemas.openxmlformats.org/presentationml/2006/main">
+  <p:cSld>
+    <p:spTree>
+      <p:nvGrpSpPr>
+        <p:cNvPr id="1" name=""/>
+        <p:cNvGrpSpPr/>
+        <p:nvPr/>
+      </p:nvGrpSpPr>
+      <p:grpSpPr>
+        <a:xfrm>
+          <a:off x="0" y="0"/>
+          <a:ext cx="0" cy="0"/>
+          <a:chOff x="0" y="0"/>
+          <a:chExt cx="0" cy="0"/>
+        </a:xfrm>
+      </p:grpSpPr>
+      <p:sp>
+        <p:nvSpPr>
+          <p:cNvPr id="2" name="제목 1">
+            <a:extLst>
+              <a:ext uri="{FF2B5EF4-FFF2-40B4-BE49-F238E27FC236}">
+                <a16:creationId xmlns:a16="http://schemas.microsoft.com/office/drawing/2014/main" id="{0FA87FC9-BF91-9885-5472-10583C3A5BFD}"/>
+              </a:ext>
+            </a:extLst>
+          </p:cNvPr>
+          <p:cNvSpPr>
+            <a:spLocks noGrp="1"/>
+          </p:cNvSpPr>
+          <p:nvPr>
+            <p:ph type="title"/>
           </p:nvPr>
         </p:nvSpPr>
         <p:spPr/>
@@ -5331,7 +5686,36 @@
           <a:bodyPr/>
           <a:lstStyle/>
           <a:p>
-            <a:endParaRPr lang="ko-KR" altLang="en-US"/>
+            <a:r>
+              <a:rPr lang="en-US" altLang="ko-KR" dirty="0"/>
+              <a:t>Feature4. CSV file dashboard</a:t>
+            </a:r>
+            <a:endParaRPr lang="ko-KR" altLang="en-US" dirty="0"/>
+          </a:p>
+        </p:txBody>
+      </p:sp>
+      <p:sp>
+        <p:nvSpPr>
+          <p:cNvPr id="3" name="내용 개체 틀 2">
+            <a:extLst>
+              <a:ext uri="{FF2B5EF4-FFF2-40B4-BE49-F238E27FC236}">
+                <a16:creationId xmlns:a16="http://schemas.microsoft.com/office/drawing/2014/main" id="{193CFA19-86A3-B30E-512B-0EC67687AE51}"/>
+              </a:ext>
+            </a:extLst>
+          </p:cNvPr>
+          <p:cNvSpPr>
+            <a:spLocks noGrp="1"/>
+          </p:cNvSpPr>
+          <p:nvPr>
+            <p:ph idx="1"/>
+          </p:nvPr>
+        </p:nvSpPr>
+        <p:spPr/>
+        <p:txBody>
+          <a:bodyPr/>
+          <a:lstStyle/>
+          <a:p>
+            <a:endParaRPr lang="ko-KR" altLang="en-US" dirty="0"/>
           </a:p>
         </p:txBody>
       </p:sp>
@@ -5340,7 +5724,7 @@
           <p:cNvPr id="5" name="그림 4">
             <a:extLst>
               <a:ext uri="{FF2B5EF4-FFF2-40B4-BE49-F238E27FC236}">
-                <a16:creationId xmlns:a16="http://schemas.microsoft.com/office/drawing/2014/main" id="{EDAC56EC-48EB-3ADB-3776-0770779101EE}"/>
+                <a16:creationId xmlns:a16="http://schemas.microsoft.com/office/drawing/2014/main" id="{B9234413-7FDD-E240-011A-ADE8053FF109}"/>
               </a:ext>
             </a:extLst>
           </p:cNvPr>
@@ -5357,7 +5741,338 @@
         </p:blipFill>
         <p:spPr>
           <a:xfrm>
-            <a:off x="2679017" y="1428750"/>
+            <a:off x="815661" y="1346218"/>
+            <a:ext cx="8120110" cy="3842691"/>
+          </a:xfrm>
+          <a:prstGeom prst="rect">
+            <a:avLst/>
+          </a:prstGeom>
+        </p:spPr>
+      </p:pic>
+      <p:pic>
+        <p:nvPicPr>
+          <p:cNvPr id="7" name="그림 6">
+            <a:extLst>
+              <a:ext uri="{FF2B5EF4-FFF2-40B4-BE49-F238E27FC236}">
+                <a16:creationId xmlns:a16="http://schemas.microsoft.com/office/drawing/2014/main" id="{879F4F9D-5D38-9ADD-0901-756DB78B2C3C}"/>
+              </a:ext>
+            </a:extLst>
+          </p:cNvPr>
+          <p:cNvPicPr>
+            <a:picLocks noChangeAspect="1"/>
+          </p:cNvPicPr>
+          <p:nvPr/>
+        </p:nvPicPr>
+        <p:blipFill>
+          <a:blip r:embed="rId3"/>
+          <a:stretch>
+            <a:fillRect/>
+          </a:stretch>
+        </p:blipFill>
+        <p:spPr>
+          <a:xfrm>
+            <a:off x="6792875" y="1747319"/>
+            <a:ext cx="5397670" cy="5110681"/>
+          </a:xfrm>
+          <a:prstGeom prst="rect">
+            <a:avLst/>
+          </a:prstGeom>
+        </p:spPr>
+      </p:pic>
+      <p:sp>
+        <p:nvSpPr>
+          <p:cNvPr id="8" name="TextBox 7">
+            <a:extLst>
+              <a:ext uri="{FF2B5EF4-FFF2-40B4-BE49-F238E27FC236}">
+                <a16:creationId xmlns:a16="http://schemas.microsoft.com/office/drawing/2014/main" id="{288EFAE2-28D3-BBDF-86B0-3401404CFD57}"/>
+              </a:ext>
+            </a:extLst>
+          </p:cNvPr>
+          <p:cNvSpPr txBox="1"/>
+          <p:nvPr/>
+        </p:nvSpPr>
+        <p:spPr>
+          <a:xfrm>
+            <a:off x="1004934" y="5267235"/>
+            <a:ext cx="5787941" cy="923330"/>
+          </a:xfrm>
+          <a:prstGeom prst="rect">
+            <a:avLst/>
+          </a:prstGeom>
+          <a:noFill/>
+        </p:spPr>
+        <p:txBody>
+          <a:bodyPr wrap="square" rtlCol="0">
+            <a:spAutoFit/>
+          </a:bodyPr>
+          <a:lstStyle/>
+          <a:p>
+            <a:r>
+              <a:rPr lang="en-US" altLang="ko-KR" dirty="0"/>
+              <a:t>Read csv file and visualize</a:t>
+            </a:r>
+          </a:p>
+          <a:p>
+            <a:r>
+              <a:rPr lang="en-US" altLang="ko-KR" dirty="0"/>
+              <a:t>Time, </a:t>
+            </a:r>
+            <a:r>
+              <a:rPr lang="en-US" altLang="ko-KR" dirty="0" err="1"/>
+              <a:t>cityname</a:t>
+            </a:r>
+            <a:r>
+              <a:rPr lang="en-US" altLang="ko-KR" dirty="0"/>
+              <a:t>, country, temperature, humidity ,</a:t>
+            </a:r>
+            <a:r>
+              <a:rPr lang="en-US" altLang="ko-KR" dirty="0" err="1"/>
+              <a:t>feelslike</a:t>
+            </a:r>
+            <a:r>
+              <a:rPr lang="en-US" altLang="ko-KR" dirty="0"/>
+              <a:t>, wind, pm10,pm2.5, co2, Nox, NH3, SO2,VOC,defra_index</a:t>
+            </a:r>
+            <a:endParaRPr lang="ko-KR" altLang="en-US" dirty="0"/>
+          </a:p>
+        </p:txBody>
+      </p:sp>
+    </p:spTree>
+    <p:extLst>
+      <p:ext uri="{BB962C8B-B14F-4D97-AF65-F5344CB8AC3E}">
+        <p14:creationId xmlns:p14="http://schemas.microsoft.com/office/powerpoint/2010/main" val="3298533312"/>
+      </p:ext>
+    </p:extLst>
+  </p:cSld>
+  <p:clrMapOvr>
+    <a:masterClrMapping/>
+  </p:clrMapOvr>
+</p:sld>
+</file>
+
+<file path=ppt/slides/slide17.xml><?xml version="1.0" encoding="utf-8"?>
+<p:sld xmlns:a="http://schemas.openxmlformats.org/drawingml/2006/main" xmlns:r="http://schemas.openxmlformats.org/officeDocument/2006/relationships" xmlns:p="http://schemas.openxmlformats.org/presentationml/2006/main">
+  <p:cSld>
+    <p:spTree>
+      <p:nvGrpSpPr>
+        <p:cNvPr id="1" name=""/>
+        <p:cNvGrpSpPr/>
+        <p:nvPr/>
+      </p:nvGrpSpPr>
+      <p:grpSpPr>
+        <a:xfrm>
+          <a:off x="0" y="0"/>
+          <a:ext cx="0" cy="0"/>
+          <a:chOff x="0" y="0"/>
+          <a:chExt cx="0" cy="0"/>
+        </a:xfrm>
+      </p:grpSpPr>
+      <p:sp>
+        <p:nvSpPr>
+          <p:cNvPr id="2" name="제목 1">
+            <a:extLst>
+              <a:ext uri="{FF2B5EF4-FFF2-40B4-BE49-F238E27FC236}">
+                <a16:creationId xmlns:a16="http://schemas.microsoft.com/office/drawing/2014/main" id="{8A3B7973-8563-CA39-9D1E-1D741B7845A8}"/>
+              </a:ext>
+            </a:extLst>
+          </p:cNvPr>
+          <p:cNvSpPr>
+            <a:spLocks noGrp="1"/>
+          </p:cNvSpPr>
+          <p:nvPr>
+            <p:ph type="title"/>
+          </p:nvPr>
+        </p:nvSpPr>
+        <p:spPr/>
+        <p:txBody>
+          <a:bodyPr/>
+          <a:lstStyle/>
+          <a:p>
+            <a:r>
+              <a:rPr lang="en-US" altLang="ko-KR" dirty="0"/>
+              <a:t>Sample of csv file</a:t>
+            </a:r>
+            <a:endParaRPr lang="ko-KR" altLang="en-US" dirty="0"/>
+          </a:p>
+        </p:txBody>
+      </p:sp>
+      <p:sp>
+        <p:nvSpPr>
+          <p:cNvPr id="3" name="내용 개체 틀 2">
+            <a:extLst>
+              <a:ext uri="{FF2B5EF4-FFF2-40B4-BE49-F238E27FC236}">
+                <a16:creationId xmlns:a16="http://schemas.microsoft.com/office/drawing/2014/main" id="{82DCD94C-B161-80C7-8DC8-64075D87A313}"/>
+              </a:ext>
+            </a:extLst>
+          </p:cNvPr>
+          <p:cNvSpPr>
+            <a:spLocks noGrp="1"/>
+          </p:cNvSpPr>
+          <p:nvPr>
+            <p:ph idx="1"/>
+          </p:nvPr>
+        </p:nvSpPr>
+        <p:spPr/>
+        <p:txBody>
+          <a:bodyPr/>
+          <a:lstStyle/>
+          <a:p>
+            <a:endParaRPr lang="ko-KR" altLang="en-US"/>
+          </a:p>
+        </p:txBody>
+      </p:sp>
+      <p:pic>
+        <p:nvPicPr>
+          <p:cNvPr id="5" name="그림 4">
+            <a:extLst>
+              <a:ext uri="{FF2B5EF4-FFF2-40B4-BE49-F238E27FC236}">
+                <a16:creationId xmlns:a16="http://schemas.microsoft.com/office/drawing/2014/main" id="{B7FF713C-E970-9DE8-3293-AEC4053E4A20}"/>
+              </a:ext>
+            </a:extLst>
+          </p:cNvPr>
+          <p:cNvPicPr>
+            <a:picLocks noChangeAspect="1"/>
+          </p:cNvPicPr>
+          <p:nvPr/>
+        </p:nvPicPr>
+        <p:blipFill>
+          <a:blip r:embed="rId2"/>
+          <a:stretch>
+            <a:fillRect/>
+          </a:stretch>
+        </p:blipFill>
+        <p:spPr>
+          <a:xfrm>
+            <a:off x="496111" y="1605335"/>
+            <a:ext cx="11605098" cy="4262065"/>
+          </a:xfrm>
+          <a:prstGeom prst="rect">
+            <a:avLst/>
+          </a:prstGeom>
+        </p:spPr>
+      </p:pic>
+    </p:spTree>
+    <p:extLst>
+      <p:ext uri="{BB962C8B-B14F-4D97-AF65-F5344CB8AC3E}">
+        <p14:creationId xmlns:p14="http://schemas.microsoft.com/office/powerpoint/2010/main" val="1994358855"/>
+      </p:ext>
+    </p:extLst>
+  </p:cSld>
+  <p:clrMapOvr>
+    <a:masterClrMapping/>
+  </p:clrMapOvr>
+</p:sld>
+</file>
+
+<file path=ppt/slides/slide18.xml><?xml version="1.0" encoding="utf-8"?>
+<p:sld xmlns:a="http://schemas.openxmlformats.org/drawingml/2006/main" xmlns:r="http://schemas.openxmlformats.org/officeDocument/2006/relationships" xmlns:p="http://schemas.openxmlformats.org/presentationml/2006/main">
+  <p:cSld>
+    <p:spTree>
+      <p:nvGrpSpPr>
+        <p:cNvPr id="1" name=""/>
+        <p:cNvGrpSpPr/>
+        <p:nvPr/>
+      </p:nvGrpSpPr>
+      <p:grpSpPr>
+        <a:xfrm>
+          <a:off x="0" y="0"/>
+          <a:ext cx="0" cy="0"/>
+          <a:chOff x="0" y="0"/>
+          <a:chExt cx="0" cy="0"/>
+        </a:xfrm>
+      </p:grpSpPr>
+      <p:sp>
+        <p:nvSpPr>
+          <p:cNvPr id="2" name="제목 1">
+            <a:extLst>
+              <a:ext uri="{FF2B5EF4-FFF2-40B4-BE49-F238E27FC236}">
+                <a16:creationId xmlns:a16="http://schemas.microsoft.com/office/drawing/2014/main" id="{E2DCA847-026C-D0A1-93B8-84836053FC06}"/>
+              </a:ext>
+            </a:extLst>
+          </p:cNvPr>
+          <p:cNvSpPr>
+            <a:spLocks noGrp="1"/>
+          </p:cNvSpPr>
+          <p:nvPr>
+            <p:ph type="title"/>
+          </p:nvPr>
+        </p:nvSpPr>
+        <p:spPr>
+          <a:xfrm>
+            <a:off x="1138136" y="158436"/>
+            <a:ext cx="9601200" cy="1485900"/>
+          </a:xfrm>
+        </p:spPr>
+        <p:txBody>
+          <a:bodyPr/>
+          <a:lstStyle/>
+          <a:p>
+            <a:r>
+              <a:rPr lang="en-US" altLang="ko-KR" dirty="0"/>
+              <a:t>Feature5. about</a:t>
+            </a:r>
+            <a:endParaRPr lang="ko-KR" altLang="en-US" dirty="0"/>
+          </a:p>
+        </p:txBody>
+      </p:sp>
+      <p:sp>
+        <p:nvSpPr>
+          <p:cNvPr id="3" name="내용 개체 틀 2">
+            <a:extLst>
+              <a:ext uri="{FF2B5EF4-FFF2-40B4-BE49-F238E27FC236}">
+                <a16:creationId xmlns:a16="http://schemas.microsoft.com/office/drawing/2014/main" id="{6ABF68C3-AC75-4A6B-7318-6F9E2D8F5654}"/>
+              </a:ext>
+            </a:extLst>
+          </p:cNvPr>
+          <p:cNvSpPr>
+            <a:spLocks noGrp="1"/>
+          </p:cNvSpPr>
+          <p:nvPr>
+            <p:ph idx="1"/>
+          </p:nvPr>
+        </p:nvSpPr>
+        <p:spPr/>
+        <p:txBody>
+          <a:bodyPr/>
+          <a:lstStyle/>
+          <a:p>
+            <a:r>
+              <a:rPr lang="en-US" altLang="ko-KR" dirty="0"/>
+              <a:t>Video about air pollutions</a:t>
+            </a:r>
+          </a:p>
+          <a:p>
+            <a:r>
+              <a:rPr lang="en-US" altLang="ko-KR" dirty="0"/>
+              <a:t>Information of air pollutions</a:t>
+            </a:r>
+            <a:endParaRPr lang="ko-KR" altLang="en-US" dirty="0"/>
+          </a:p>
+        </p:txBody>
+      </p:sp>
+      <p:pic>
+        <p:nvPicPr>
+          <p:cNvPr id="5" name="그림 4">
+            <a:extLst>
+              <a:ext uri="{FF2B5EF4-FFF2-40B4-BE49-F238E27FC236}">
+                <a16:creationId xmlns:a16="http://schemas.microsoft.com/office/drawing/2014/main" id="{EDAC56EC-48EB-3ADB-3776-0770779101EE}"/>
+              </a:ext>
+            </a:extLst>
+          </p:cNvPr>
+          <p:cNvPicPr>
+            <a:picLocks noChangeAspect="1"/>
+          </p:cNvPicPr>
+          <p:nvPr/>
+        </p:nvPicPr>
+        <p:blipFill>
+          <a:blip r:embed="rId2"/>
+          <a:stretch>
+            <a:fillRect/>
+          </a:stretch>
+        </p:blipFill>
+        <p:spPr>
+          <a:xfrm>
+            <a:off x="4830236" y="1441293"/>
             <a:ext cx="7361764" cy="5270814"/>
           </a:xfrm>
           <a:prstGeom prst="rect">
@@ -5690,7 +6405,7 @@
           <p:cNvPr id="2" name="제목 1">
             <a:extLst>
               <a:ext uri="{FF2B5EF4-FFF2-40B4-BE49-F238E27FC236}">
-                <a16:creationId xmlns:a16="http://schemas.microsoft.com/office/drawing/2014/main" id="{27E0CC82-E6A4-0344-C3CE-DD4BC540637C}"/>
+                <a16:creationId xmlns:a16="http://schemas.microsoft.com/office/drawing/2014/main" id="{F098C6E8-98E0-9B9B-83A9-F5122316E574}"/>
               </a:ext>
             </a:extLst>
           </p:cNvPr>
@@ -5708,7 +6423,7 @@
           <a:p>
             <a:r>
               <a:rPr lang="en-US" altLang="ko-KR" dirty="0"/>
-              <a:t>layout</a:t>
+              <a:t>Demo video</a:t>
             </a:r>
             <a:endParaRPr lang="ko-KR" altLang="en-US" dirty="0"/>
           </a:p>
@@ -5716,28 +6431,32 @@
       </p:sp>
       <p:pic>
         <p:nvPicPr>
-          <p:cNvPr id="5" name="그림 4">
-            <a:extLst>
-              <a:ext uri="{FF2B5EF4-FFF2-40B4-BE49-F238E27FC236}">
-                <a16:creationId xmlns:a16="http://schemas.microsoft.com/office/drawing/2014/main" id="{2DD7CD0D-82F8-A4A6-1CCC-DEFE0231BDA0}"/>
+          <p:cNvPr id="4" name="온라인 미디어 3" title="air quality dashboard demo video 2">
+            <a:hlinkClick r:id="" action="ppaction://media"/>
+            <a:extLst>
+              <a:ext uri="{FF2B5EF4-FFF2-40B4-BE49-F238E27FC236}">
+                <a16:creationId xmlns:a16="http://schemas.microsoft.com/office/drawing/2014/main" id="{A366D1C6-44A1-8D3C-54FF-AEC8B3873542}"/>
               </a:ext>
             </a:extLst>
           </p:cNvPr>
           <p:cNvPicPr>
-            <a:picLocks noChangeAspect="1"/>
+            <a:picLocks noGrp="1" noRot="1" noChangeAspect="1"/>
           </p:cNvPicPr>
-          <p:nvPr/>
+          <p:nvPr>
+            <p:ph idx="1"/>
+            <a:videoFile r:link="rId1"/>
+          </p:nvPr>
         </p:nvPicPr>
         <p:blipFill>
-          <a:blip r:embed="rId2"/>
+          <a:blip r:embed="rId3"/>
           <a:stretch>
             <a:fillRect/>
           </a:stretch>
         </p:blipFill>
         <p:spPr>
           <a:xfrm>
-            <a:off x="2365722" y="1428750"/>
-            <a:ext cx="7818860" cy="5145314"/>
+            <a:off x="3000375" y="2286000"/>
+            <a:ext cx="6343650" cy="3581400"/>
           </a:xfrm>
           <a:prstGeom prst="rect">
             <a:avLst/>
@@ -5746,352 +6465,41 @@
       </p:pic>
       <p:sp>
         <p:nvSpPr>
-          <p:cNvPr id="6" name="직사각형 5">
-            <a:extLst>
-              <a:ext uri="{FF2B5EF4-FFF2-40B4-BE49-F238E27FC236}">
-                <a16:creationId xmlns:a16="http://schemas.microsoft.com/office/drawing/2014/main" id="{A3F721AA-0B17-D593-66E2-1C1DCB2E9E8D}"/>
-              </a:ext>
-            </a:extLst>
-          </p:cNvPr>
-          <p:cNvSpPr/>
+          <p:cNvPr id="5" name="TextBox 4">
+            <a:extLst>
+              <a:ext uri="{FF2B5EF4-FFF2-40B4-BE49-F238E27FC236}">
+                <a16:creationId xmlns:a16="http://schemas.microsoft.com/office/drawing/2014/main" id="{FEA8D766-0350-D2FD-80DB-B852629DCB4D}"/>
+              </a:ext>
+            </a:extLst>
+          </p:cNvPr>
+          <p:cNvSpPr txBox="1"/>
           <p:nvPr/>
         </p:nvSpPr>
         <p:spPr>
           <a:xfrm>
-            <a:off x="3558012" y="1428750"/>
-            <a:ext cx="6626570" cy="626387"/>
+            <a:off x="1507787" y="1527243"/>
+            <a:ext cx="3174459" cy="646331"/>
           </a:xfrm>
           <a:prstGeom prst="rect">
             <a:avLst/>
           </a:prstGeom>
           <a:noFill/>
-          <a:ln>
-            <a:solidFill>
-              <a:srgbClr val="7030A0"/>
-            </a:solidFill>
-          </a:ln>
-        </p:spPr>
-        <p:style>
-          <a:lnRef idx="2">
-            <a:schemeClr val="accent1">
-              <a:shade val="15000"/>
-            </a:schemeClr>
-          </a:lnRef>
-          <a:fillRef idx="1">
-            <a:schemeClr val="accent1"/>
-          </a:fillRef>
-          <a:effectRef idx="0">
-            <a:schemeClr val="accent1"/>
-          </a:effectRef>
-          <a:fontRef idx="minor">
-            <a:schemeClr val="lt1"/>
-          </a:fontRef>
-        </p:style>
-        <p:txBody>
-          <a:bodyPr rtlCol="0" anchor="ctr"/>
-          <a:lstStyle/>
-          <a:p>
-            <a:pPr algn="ctr"/>
-            <a:endParaRPr lang="ko-KR" altLang="en-US"/>
-          </a:p>
-        </p:txBody>
-      </p:sp>
-      <p:sp>
-        <p:nvSpPr>
-          <p:cNvPr id="8" name="직사각형 7">
-            <a:extLst>
-              <a:ext uri="{FF2B5EF4-FFF2-40B4-BE49-F238E27FC236}">
-                <a16:creationId xmlns:a16="http://schemas.microsoft.com/office/drawing/2014/main" id="{138C9A1C-F3CF-E6B1-48ED-7A25599A49CE}"/>
-              </a:ext>
-            </a:extLst>
-          </p:cNvPr>
-          <p:cNvSpPr/>
-          <p:nvPr/>
-        </p:nvSpPr>
-        <p:spPr>
-          <a:xfrm>
-            <a:off x="2365722" y="1428749"/>
-            <a:ext cx="1192290" cy="5145314"/>
-          </a:xfrm>
-          <a:prstGeom prst="rect">
-            <a:avLst/>
-          </a:prstGeom>
-          <a:noFill/>
-          <a:ln>
-            <a:solidFill>
-              <a:schemeClr val="accent5"/>
-            </a:solidFill>
-          </a:ln>
-        </p:spPr>
-        <p:style>
-          <a:lnRef idx="2">
-            <a:schemeClr val="accent1">
-              <a:shade val="15000"/>
-            </a:schemeClr>
-          </a:lnRef>
-          <a:fillRef idx="1">
-            <a:schemeClr val="accent1"/>
-          </a:fillRef>
-          <a:effectRef idx="0">
-            <a:schemeClr val="accent1"/>
-          </a:effectRef>
-          <a:fontRef idx="minor">
-            <a:schemeClr val="lt1"/>
-          </a:fontRef>
-        </p:style>
-        <p:txBody>
-          <a:bodyPr rtlCol="0" anchor="ctr"/>
-          <a:lstStyle/>
-          <a:p>
-            <a:pPr algn="ctr"/>
-            <a:endParaRPr lang="ko-KR" altLang="en-US"/>
-          </a:p>
-        </p:txBody>
-      </p:sp>
-      <p:sp>
-        <p:nvSpPr>
-          <p:cNvPr id="9" name="직사각형 8">
-            <a:extLst>
-              <a:ext uri="{FF2B5EF4-FFF2-40B4-BE49-F238E27FC236}">
-                <a16:creationId xmlns:a16="http://schemas.microsoft.com/office/drawing/2014/main" id="{DE3A5D64-2C86-EA02-8D96-ADB3C586DD94}"/>
-              </a:ext>
-            </a:extLst>
-          </p:cNvPr>
-          <p:cNvSpPr/>
-          <p:nvPr/>
-        </p:nvSpPr>
-        <p:spPr>
-          <a:xfrm>
-            <a:off x="3558012" y="2055136"/>
-            <a:ext cx="6626570" cy="4218915"/>
-          </a:xfrm>
-          <a:prstGeom prst="rect">
-            <a:avLst/>
-          </a:prstGeom>
-          <a:noFill/>
-          <a:ln>
-            <a:solidFill>
-              <a:srgbClr val="FF0000"/>
-            </a:solidFill>
-          </a:ln>
-        </p:spPr>
-        <p:style>
-          <a:lnRef idx="2">
-            <a:schemeClr val="accent1">
-              <a:shade val="15000"/>
-            </a:schemeClr>
-          </a:lnRef>
-          <a:fillRef idx="1">
-            <a:schemeClr val="accent1"/>
-          </a:fillRef>
-          <a:effectRef idx="0">
-            <a:schemeClr val="accent1"/>
-          </a:effectRef>
-          <a:fontRef idx="minor">
-            <a:schemeClr val="lt1"/>
-          </a:fontRef>
-        </p:style>
-        <p:txBody>
-          <a:bodyPr rtlCol="0" anchor="ctr"/>
-          <a:lstStyle/>
-          <a:p>
-            <a:pPr algn="ctr"/>
-            <a:endParaRPr lang="ko-KR" altLang="en-US"/>
-          </a:p>
-        </p:txBody>
-      </p:sp>
-      <p:sp>
-        <p:nvSpPr>
-          <p:cNvPr id="10" name="직사각형 9">
-            <a:extLst>
-              <a:ext uri="{FF2B5EF4-FFF2-40B4-BE49-F238E27FC236}">
-                <a16:creationId xmlns:a16="http://schemas.microsoft.com/office/drawing/2014/main" id="{FBD93CE2-93A8-0466-BB84-F38363D9608E}"/>
-              </a:ext>
-            </a:extLst>
-          </p:cNvPr>
-          <p:cNvSpPr/>
-          <p:nvPr/>
-        </p:nvSpPr>
-        <p:spPr>
-          <a:xfrm>
-            <a:off x="3558012" y="6274051"/>
-            <a:ext cx="6626570" cy="300012"/>
-          </a:xfrm>
-          <a:prstGeom prst="rect">
-            <a:avLst/>
-          </a:prstGeom>
-          <a:noFill/>
-          <a:ln>
-            <a:solidFill>
-              <a:srgbClr val="FFC000"/>
-            </a:solidFill>
-          </a:ln>
-        </p:spPr>
-        <p:style>
-          <a:lnRef idx="2">
-            <a:schemeClr val="accent1">
-              <a:shade val="15000"/>
-            </a:schemeClr>
-          </a:lnRef>
-          <a:fillRef idx="1">
-            <a:schemeClr val="accent1"/>
-          </a:fillRef>
-          <a:effectRef idx="0">
-            <a:schemeClr val="accent1"/>
-          </a:effectRef>
-          <a:fontRef idx="minor">
-            <a:schemeClr val="lt1"/>
-          </a:fontRef>
-        </p:style>
-        <p:txBody>
-          <a:bodyPr rtlCol="0" anchor="ctr"/>
-          <a:lstStyle/>
-          <a:p>
-            <a:pPr algn="ctr"/>
-            <a:endParaRPr lang="ko-KR" altLang="en-US"/>
-          </a:p>
-        </p:txBody>
-      </p:sp>
-      <p:sp>
-        <p:nvSpPr>
-          <p:cNvPr id="11" name="TextBox 10">
-            <a:extLst>
-              <a:ext uri="{FF2B5EF4-FFF2-40B4-BE49-F238E27FC236}">
-                <a16:creationId xmlns:a16="http://schemas.microsoft.com/office/drawing/2014/main" id="{62FD5A0E-5B6D-9D1E-EEEE-DEF9E03B8CFA}"/>
-              </a:ext>
-            </a:extLst>
-          </p:cNvPr>
-          <p:cNvSpPr txBox="1"/>
-          <p:nvPr/>
-        </p:nvSpPr>
-        <p:spPr>
-          <a:xfrm>
-            <a:off x="733330" y="3051018"/>
-            <a:ext cx="1910282" cy="369332"/>
-          </a:xfrm>
-          <a:prstGeom prst="rect">
-            <a:avLst/>
-          </a:prstGeom>
-          <a:noFill/>
-        </p:spPr>
-        <p:txBody>
-          <a:bodyPr wrap="square" rtlCol="0">
+        </p:spPr>
+        <p:txBody>
+          <a:bodyPr wrap="none" rtlCol="0">
             <a:spAutoFit/>
           </a:bodyPr>
           <a:lstStyle/>
           <a:p>
             <a:r>
-              <a:rPr lang="en-US" altLang="ko-KR" dirty="0"/>
-              <a:t>Navigation Bar</a:t>
-            </a:r>
-            <a:endParaRPr lang="ko-KR" altLang="en-US" dirty="0"/>
-          </a:p>
-        </p:txBody>
-      </p:sp>
-      <p:sp>
-        <p:nvSpPr>
-          <p:cNvPr id="12" name="TextBox 11">
-            <a:extLst>
-              <a:ext uri="{FF2B5EF4-FFF2-40B4-BE49-F238E27FC236}">
-                <a16:creationId xmlns:a16="http://schemas.microsoft.com/office/drawing/2014/main" id="{50B65ED4-1307-F924-8A3B-2DAD50C9580A}"/>
-              </a:ext>
-            </a:extLst>
-          </p:cNvPr>
-          <p:cNvSpPr txBox="1"/>
-          <p:nvPr/>
-        </p:nvSpPr>
-        <p:spPr>
-          <a:xfrm>
-            <a:off x="5916156" y="991152"/>
-            <a:ext cx="1910282" cy="369332"/>
-          </a:xfrm>
-          <a:prstGeom prst="rect">
-            <a:avLst/>
-          </a:prstGeom>
-          <a:noFill/>
-        </p:spPr>
-        <p:txBody>
-          <a:bodyPr wrap="square" rtlCol="0">
-            <a:spAutoFit/>
-          </a:bodyPr>
-          <a:lstStyle/>
-          <a:p>
-            <a:r>
-              <a:rPr lang="en-US" altLang="ko-KR" dirty="0"/>
-              <a:t>Header</a:t>
-            </a:r>
-            <a:endParaRPr lang="ko-KR" altLang="en-US" dirty="0"/>
-          </a:p>
-        </p:txBody>
-      </p:sp>
-      <p:sp>
-        <p:nvSpPr>
-          <p:cNvPr id="13" name="TextBox 12">
-            <a:extLst>
-              <a:ext uri="{FF2B5EF4-FFF2-40B4-BE49-F238E27FC236}">
-                <a16:creationId xmlns:a16="http://schemas.microsoft.com/office/drawing/2014/main" id="{C570D7D3-90EC-94B6-B3BF-A79114A0D95C}"/>
-              </a:ext>
-            </a:extLst>
-          </p:cNvPr>
-          <p:cNvSpPr txBox="1"/>
-          <p:nvPr/>
-        </p:nvSpPr>
-        <p:spPr>
-          <a:xfrm>
-            <a:off x="10281718" y="3632074"/>
-            <a:ext cx="1910282" cy="369332"/>
-          </a:xfrm>
-          <a:prstGeom prst="rect">
-            <a:avLst/>
-          </a:prstGeom>
-          <a:noFill/>
-        </p:spPr>
-        <p:txBody>
-          <a:bodyPr wrap="square" rtlCol="0">
-            <a:spAutoFit/>
-          </a:bodyPr>
-          <a:lstStyle/>
-          <a:p>
-            <a:r>
-              <a:rPr lang="en-US" altLang="ko-KR" dirty="0"/>
-              <a:t>Main Dashboard</a:t>
-            </a:r>
-            <a:endParaRPr lang="ko-KR" altLang="en-US" dirty="0"/>
-          </a:p>
-        </p:txBody>
-      </p:sp>
-      <p:sp>
-        <p:nvSpPr>
-          <p:cNvPr id="14" name="TextBox 13">
-            <a:extLst>
-              <a:ext uri="{FF2B5EF4-FFF2-40B4-BE49-F238E27FC236}">
-                <a16:creationId xmlns:a16="http://schemas.microsoft.com/office/drawing/2014/main" id="{A0905212-711A-6C3B-D920-9FEA7BE02A1A}"/>
-              </a:ext>
-            </a:extLst>
-          </p:cNvPr>
-          <p:cNvSpPr txBox="1"/>
-          <p:nvPr/>
-        </p:nvSpPr>
-        <p:spPr>
-          <a:xfrm>
-            <a:off x="5916156" y="6539404"/>
-            <a:ext cx="1910282" cy="369332"/>
-          </a:xfrm>
-          <a:prstGeom prst="rect">
-            <a:avLst/>
-          </a:prstGeom>
-          <a:noFill/>
-        </p:spPr>
-        <p:txBody>
-          <a:bodyPr wrap="square" rtlCol="0">
-            <a:spAutoFit/>
-          </a:bodyPr>
-          <a:lstStyle/>
-          <a:p>
-            <a:r>
-              <a:rPr lang="en-US" altLang="ko-KR" dirty="0"/>
-              <a:t>Footer</a:t>
-            </a:r>
+              <a:rPr lang="en-US" altLang="ko-KR" dirty="0">
+                <a:hlinkClick r:id="rId4"/>
+              </a:rPr>
+              <a:t>https://youtu.be/VFPmD9clYjk</a:t>
+            </a:r>
+            <a:endParaRPr lang="en-US" altLang="ko-KR" dirty="0"/>
+          </a:p>
+          <a:p>
             <a:endParaRPr lang="ko-KR" altLang="en-US" dirty="0"/>
           </a:p>
         </p:txBody>
@@ -6099,13 +6507,148 @@
     </p:spTree>
     <p:extLst>
       <p:ext uri="{BB962C8B-B14F-4D97-AF65-F5344CB8AC3E}">
-        <p14:creationId xmlns:p14="http://schemas.microsoft.com/office/powerpoint/2010/main" val="27394675"/>
+        <p14:creationId xmlns:p14="http://schemas.microsoft.com/office/powerpoint/2010/main" val="1696095245"/>
       </p:ext>
     </p:extLst>
   </p:cSld>
   <p:clrMapOvr>
     <a:masterClrMapping/>
   </p:clrMapOvr>
+  <p:timing>
+    <p:tnLst>
+      <p:par>
+        <p:cTn id="1" dur="indefinite" restart="never" nodeType="tmRoot">
+          <p:childTnLst>
+            <p:seq concurrent="1" nextAc="seek">
+              <p:cTn id="2" dur="indefinite" nodeType="mainSeq">
+                <p:childTnLst>
+                  <p:par>
+                    <p:cTn id="3" fill="hold">
+                      <p:stCondLst>
+                        <p:cond delay="indefinite"/>
+                      </p:stCondLst>
+                      <p:childTnLst>
+                        <p:par>
+                          <p:cTn id="4" fill="hold">
+                            <p:stCondLst>
+                              <p:cond delay="0"/>
+                            </p:stCondLst>
+                            <p:childTnLst>
+                              <p:par>
+                                <p:cTn id="5" presetID="1" presetClass="mediacall" presetSubtype="0" fill="hold" nodeType="clickEffect">
+                                  <p:stCondLst>
+                                    <p:cond delay="0"/>
+                                  </p:stCondLst>
+                                  <p:childTnLst>
+                                    <p:cmd type="call" cmd="playFrom(0.0)">
+                                      <p:cBhvr>
+                                        <p:cTn id="6" dur="1" fill="hold"/>
+                                        <p:tgtEl>
+                                          <p:spTgt spid="4"/>
+                                        </p:tgtEl>
+                                      </p:cBhvr>
+                                    </p:cmd>
+                                  </p:childTnLst>
+                                </p:cTn>
+                              </p:par>
+                            </p:childTnLst>
+                          </p:cTn>
+                        </p:par>
+                      </p:childTnLst>
+                    </p:cTn>
+                  </p:par>
+                </p:childTnLst>
+              </p:cTn>
+              <p:prevCondLst>
+                <p:cond evt="onPrev" delay="0">
+                  <p:tgtEl>
+                    <p:sldTgt/>
+                  </p:tgtEl>
+                </p:cond>
+              </p:prevCondLst>
+              <p:nextCondLst>
+                <p:cond evt="onNext" delay="0">
+                  <p:tgtEl>
+                    <p:sldTgt/>
+                  </p:tgtEl>
+                </p:cond>
+              </p:nextCondLst>
+            </p:seq>
+            <p:video>
+              <p:cMediaNode vol="80000">
+                <p:cTn id="7" fill="hold" display="0">
+                  <p:stCondLst>
+                    <p:cond delay="indefinite"/>
+                  </p:stCondLst>
+                </p:cTn>
+                <p:tgtEl>
+                  <p:spTgt spid="4"/>
+                </p:tgtEl>
+              </p:cMediaNode>
+            </p:video>
+            <p:seq concurrent="1" nextAc="seek">
+              <p:cTn id="8" restart="whenNotActive" fill="hold" evtFilter="cancelBubble" nodeType="interactiveSeq">
+                <p:stCondLst>
+                  <p:cond evt="onClick" delay="0">
+                    <p:tgtEl>
+                      <p:spTgt spid="4"/>
+                    </p:tgtEl>
+                  </p:cond>
+                </p:stCondLst>
+                <p:endSync evt="end" delay="0">
+                  <p:rtn val="all"/>
+                </p:endSync>
+                <p:childTnLst>
+                  <p:par>
+                    <p:cTn id="9" fill="hold">
+                      <p:stCondLst>
+                        <p:cond delay="0"/>
+                      </p:stCondLst>
+                      <p:childTnLst>
+                        <p:par>
+                          <p:cTn id="10" fill="hold">
+                            <p:stCondLst>
+                              <p:cond delay="0"/>
+                            </p:stCondLst>
+                            <p:childTnLst>
+                              <p:par>
+                                <p:cTn id="11" presetID="2" presetClass="mediacall" presetSubtype="0" fill="hold" nodeType="clickEffect">
+                                  <p:stCondLst>
+                                    <p:cond delay="0"/>
+                                  </p:stCondLst>
+                                  <p:childTnLst>
+                                    <p:cmd type="call" cmd="togglePause">
+                                      <p:cBhvr>
+                                        <p:cTn id="12" dur="1" fill="hold"/>
+                                        <p:tgtEl>
+                                          <p:spTgt spid="4"/>
+                                        </p:tgtEl>
+                                      </p:cBhvr>
+                                    </p:cmd>
+                                  </p:childTnLst>
+                                </p:cTn>
+                              </p:par>
+                            </p:childTnLst>
+                          </p:cTn>
+                        </p:par>
+                      </p:childTnLst>
+                    </p:cTn>
+                  </p:par>
+                </p:childTnLst>
+              </p:cTn>
+              <p:nextCondLst>
+                <p:cond evt="onClick" delay="0">
+                  <p:tgtEl>
+                    <p:spTgt spid="4"/>
+                  </p:tgtEl>
+                </p:cond>
+              </p:nextCondLst>
+            </p:seq>
+          </p:childTnLst>
+        </p:cTn>
+      </p:par>
+    </p:tnLst>
+  </p:timing>
 </p:sld>
 </file>
 
@@ -6131,7 +6674,7 @@
           <p:cNvPr id="2" name="제목 1">
             <a:extLst>
               <a:ext uri="{FF2B5EF4-FFF2-40B4-BE49-F238E27FC236}">
-                <a16:creationId xmlns:a16="http://schemas.microsoft.com/office/drawing/2014/main" id="{3716CBA8-6EBB-2485-851E-63AF763DC93E}"/>
+                <a16:creationId xmlns:a16="http://schemas.microsoft.com/office/drawing/2014/main" id="{27E0CC82-E6A4-0344-C3CE-DD4BC540637C}"/>
               </a:ext>
             </a:extLst>
           </p:cNvPr>
@@ -6149,36 +6692,7 @@
           <a:p>
             <a:r>
               <a:rPr lang="en-US" altLang="ko-KR" dirty="0"/>
-              <a:t>layout-header</a:t>
-            </a:r>
-            <a:endParaRPr lang="ko-KR" altLang="en-US" dirty="0"/>
-          </a:p>
-        </p:txBody>
-      </p:sp>
-      <p:sp>
-        <p:nvSpPr>
-          <p:cNvPr id="3" name="내용 개체 틀 2">
-            <a:extLst>
-              <a:ext uri="{FF2B5EF4-FFF2-40B4-BE49-F238E27FC236}">
-                <a16:creationId xmlns:a16="http://schemas.microsoft.com/office/drawing/2014/main" id="{40690AAC-5337-2F57-741B-9D2F55C27DA4}"/>
-              </a:ext>
-            </a:extLst>
-          </p:cNvPr>
-          <p:cNvSpPr>
-            <a:spLocks noGrp="1"/>
-          </p:cNvSpPr>
-          <p:nvPr>
-            <p:ph idx="1"/>
-          </p:nvPr>
-        </p:nvSpPr>
-        <p:spPr/>
-        <p:txBody>
-          <a:bodyPr/>
-          <a:lstStyle/>
-          <a:p>
-            <a:r>
-              <a:rPr lang="en-US" altLang="ko-KR" dirty="0"/>
-              <a:t>Title of the application and a brief description.</a:t>
+              <a:t>layout</a:t>
             </a:r>
             <a:endParaRPr lang="ko-KR" altLang="en-US" dirty="0"/>
           </a:p>
@@ -6186,10 +6700,10 @@
       </p:sp>
       <p:pic>
         <p:nvPicPr>
-          <p:cNvPr id="7" name="그림 6">
-            <a:extLst>
-              <a:ext uri="{FF2B5EF4-FFF2-40B4-BE49-F238E27FC236}">
-                <a16:creationId xmlns:a16="http://schemas.microsoft.com/office/drawing/2014/main" id="{A2FD621F-877C-F711-144D-F69DFA577CB6}"/>
+          <p:cNvPr id="5" name="그림 4">
+            <a:extLst>
+              <a:ext uri="{FF2B5EF4-FFF2-40B4-BE49-F238E27FC236}">
+                <a16:creationId xmlns:a16="http://schemas.microsoft.com/office/drawing/2014/main" id="{2DD7CD0D-82F8-A4A6-1CCC-DEFE0231BDA0}"/>
               </a:ext>
             </a:extLst>
           </p:cNvPr>
@@ -6206,18 +6720,370 @@
         </p:blipFill>
         <p:spPr>
           <a:xfrm>
-            <a:off x="4457700" y="1343025"/>
-            <a:ext cx="3276600" cy="942975"/>
+            <a:off x="2365722" y="1428750"/>
+            <a:ext cx="7818860" cy="5145314"/>
           </a:xfrm>
           <a:prstGeom prst="rect">
             <a:avLst/>
           </a:prstGeom>
         </p:spPr>
       </p:pic>
+      <p:sp>
+        <p:nvSpPr>
+          <p:cNvPr id="6" name="직사각형 5">
+            <a:extLst>
+              <a:ext uri="{FF2B5EF4-FFF2-40B4-BE49-F238E27FC236}">
+                <a16:creationId xmlns:a16="http://schemas.microsoft.com/office/drawing/2014/main" id="{A3F721AA-0B17-D593-66E2-1C1DCB2E9E8D}"/>
+              </a:ext>
+            </a:extLst>
+          </p:cNvPr>
+          <p:cNvSpPr/>
+          <p:nvPr/>
+        </p:nvSpPr>
+        <p:spPr>
+          <a:xfrm>
+            <a:off x="3558012" y="1428750"/>
+            <a:ext cx="6626570" cy="626387"/>
+          </a:xfrm>
+          <a:prstGeom prst="rect">
+            <a:avLst/>
+          </a:prstGeom>
+          <a:noFill/>
+          <a:ln>
+            <a:solidFill>
+              <a:srgbClr val="7030A0"/>
+            </a:solidFill>
+          </a:ln>
+        </p:spPr>
+        <p:style>
+          <a:lnRef idx="2">
+            <a:schemeClr val="accent1">
+              <a:shade val="15000"/>
+            </a:schemeClr>
+          </a:lnRef>
+          <a:fillRef idx="1">
+            <a:schemeClr val="accent1"/>
+          </a:fillRef>
+          <a:effectRef idx="0">
+            <a:schemeClr val="accent1"/>
+          </a:effectRef>
+          <a:fontRef idx="minor">
+            <a:schemeClr val="lt1"/>
+          </a:fontRef>
+        </p:style>
+        <p:txBody>
+          <a:bodyPr rtlCol="0" anchor="ctr"/>
+          <a:lstStyle/>
+          <a:p>
+            <a:pPr algn="ctr"/>
+            <a:endParaRPr lang="ko-KR" altLang="en-US"/>
+          </a:p>
+        </p:txBody>
+      </p:sp>
+      <p:sp>
+        <p:nvSpPr>
+          <p:cNvPr id="8" name="직사각형 7">
+            <a:extLst>
+              <a:ext uri="{FF2B5EF4-FFF2-40B4-BE49-F238E27FC236}">
+                <a16:creationId xmlns:a16="http://schemas.microsoft.com/office/drawing/2014/main" id="{138C9A1C-F3CF-E6B1-48ED-7A25599A49CE}"/>
+              </a:ext>
+            </a:extLst>
+          </p:cNvPr>
+          <p:cNvSpPr/>
+          <p:nvPr/>
+        </p:nvSpPr>
+        <p:spPr>
+          <a:xfrm>
+            <a:off x="2365722" y="1428749"/>
+            <a:ext cx="1192290" cy="5145314"/>
+          </a:xfrm>
+          <a:prstGeom prst="rect">
+            <a:avLst/>
+          </a:prstGeom>
+          <a:noFill/>
+          <a:ln>
+            <a:solidFill>
+              <a:schemeClr val="accent5"/>
+            </a:solidFill>
+          </a:ln>
+        </p:spPr>
+        <p:style>
+          <a:lnRef idx="2">
+            <a:schemeClr val="accent1">
+              <a:shade val="15000"/>
+            </a:schemeClr>
+          </a:lnRef>
+          <a:fillRef idx="1">
+            <a:schemeClr val="accent1"/>
+          </a:fillRef>
+          <a:effectRef idx="0">
+            <a:schemeClr val="accent1"/>
+          </a:effectRef>
+          <a:fontRef idx="minor">
+            <a:schemeClr val="lt1"/>
+          </a:fontRef>
+        </p:style>
+        <p:txBody>
+          <a:bodyPr rtlCol="0" anchor="ctr"/>
+          <a:lstStyle/>
+          <a:p>
+            <a:pPr algn="ctr"/>
+            <a:endParaRPr lang="ko-KR" altLang="en-US"/>
+          </a:p>
+        </p:txBody>
+      </p:sp>
+      <p:sp>
+        <p:nvSpPr>
+          <p:cNvPr id="9" name="직사각형 8">
+            <a:extLst>
+              <a:ext uri="{FF2B5EF4-FFF2-40B4-BE49-F238E27FC236}">
+                <a16:creationId xmlns:a16="http://schemas.microsoft.com/office/drawing/2014/main" id="{DE3A5D64-2C86-EA02-8D96-ADB3C586DD94}"/>
+              </a:ext>
+            </a:extLst>
+          </p:cNvPr>
+          <p:cNvSpPr/>
+          <p:nvPr/>
+        </p:nvSpPr>
+        <p:spPr>
+          <a:xfrm>
+            <a:off x="3558012" y="2055136"/>
+            <a:ext cx="6626570" cy="4218915"/>
+          </a:xfrm>
+          <a:prstGeom prst="rect">
+            <a:avLst/>
+          </a:prstGeom>
+          <a:noFill/>
+          <a:ln>
+            <a:solidFill>
+              <a:srgbClr val="FF0000"/>
+            </a:solidFill>
+          </a:ln>
+        </p:spPr>
+        <p:style>
+          <a:lnRef idx="2">
+            <a:schemeClr val="accent1">
+              <a:shade val="15000"/>
+            </a:schemeClr>
+          </a:lnRef>
+          <a:fillRef idx="1">
+            <a:schemeClr val="accent1"/>
+          </a:fillRef>
+          <a:effectRef idx="0">
+            <a:schemeClr val="accent1"/>
+          </a:effectRef>
+          <a:fontRef idx="minor">
+            <a:schemeClr val="lt1"/>
+          </a:fontRef>
+        </p:style>
+        <p:txBody>
+          <a:bodyPr rtlCol="0" anchor="ctr"/>
+          <a:lstStyle/>
+          <a:p>
+            <a:pPr algn="ctr"/>
+            <a:endParaRPr lang="ko-KR" altLang="en-US"/>
+          </a:p>
+        </p:txBody>
+      </p:sp>
+      <p:sp>
+        <p:nvSpPr>
+          <p:cNvPr id="10" name="직사각형 9">
+            <a:extLst>
+              <a:ext uri="{FF2B5EF4-FFF2-40B4-BE49-F238E27FC236}">
+                <a16:creationId xmlns:a16="http://schemas.microsoft.com/office/drawing/2014/main" id="{FBD93CE2-93A8-0466-BB84-F38363D9608E}"/>
+              </a:ext>
+            </a:extLst>
+          </p:cNvPr>
+          <p:cNvSpPr/>
+          <p:nvPr/>
+        </p:nvSpPr>
+        <p:spPr>
+          <a:xfrm>
+            <a:off x="3558012" y="6274051"/>
+            <a:ext cx="6626570" cy="300012"/>
+          </a:xfrm>
+          <a:prstGeom prst="rect">
+            <a:avLst/>
+          </a:prstGeom>
+          <a:noFill/>
+          <a:ln>
+            <a:solidFill>
+              <a:srgbClr val="FFC000"/>
+            </a:solidFill>
+          </a:ln>
+        </p:spPr>
+        <p:style>
+          <a:lnRef idx="2">
+            <a:schemeClr val="accent1">
+              <a:shade val="15000"/>
+            </a:schemeClr>
+          </a:lnRef>
+          <a:fillRef idx="1">
+            <a:schemeClr val="accent1"/>
+          </a:fillRef>
+          <a:effectRef idx="0">
+            <a:schemeClr val="accent1"/>
+          </a:effectRef>
+          <a:fontRef idx="minor">
+            <a:schemeClr val="lt1"/>
+          </a:fontRef>
+        </p:style>
+        <p:txBody>
+          <a:bodyPr rtlCol="0" anchor="ctr"/>
+          <a:lstStyle/>
+          <a:p>
+            <a:pPr algn="ctr"/>
+            <a:endParaRPr lang="ko-KR" altLang="en-US"/>
+          </a:p>
+        </p:txBody>
+      </p:sp>
+      <p:sp>
+        <p:nvSpPr>
+          <p:cNvPr id="11" name="TextBox 10">
+            <a:extLst>
+              <a:ext uri="{FF2B5EF4-FFF2-40B4-BE49-F238E27FC236}">
+                <a16:creationId xmlns:a16="http://schemas.microsoft.com/office/drawing/2014/main" id="{62FD5A0E-5B6D-9D1E-EEEE-DEF9E03B8CFA}"/>
+              </a:ext>
+            </a:extLst>
+          </p:cNvPr>
+          <p:cNvSpPr txBox="1"/>
+          <p:nvPr/>
+        </p:nvSpPr>
+        <p:spPr>
+          <a:xfrm>
+            <a:off x="733330" y="3051018"/>
+            <a:ext cx="1910282" cy="369332"/>
+          </a:xfrm>
+          <a:prstGeom prst="rect">
+            <a:avLst/>
+          </a:prstGeom>
+          <a:noFill/>
+        </p:spPr>
+        <p:txBody>
+          <a:bodyPr wrap="square" rtlCol="0">
+            <a:spAutoFit/>
+          </a:bodyPr>
+          <a:lstStyle/>
+          <a:p>
+            <a:r>
+              <a:rPr lang="en-US" altLang="ko-KR" dirty="0"/>
+              <a:t>Navigation Bar</a:t>
+            </a:r>
+            <a:endParaRPr lang="ko-KR" altLang="en-US" dirty="0"/>
+          </a:p>
+        </p:txBody>
+      </p:sp>
+      <p:sp>
+        <p:nvSpPr>
+          <p:cNvPr id="12" name="TextBox 11">
+            <a:extLst>
+              <a:ext uri="{FF2B5EF4-FFF2-40B4-BE49-F238E27FC236}">
+                <a16:creationId xmlns:a16="http://schemas.microsoft.com/office/drawing/2014/main" id="{50B65ED4-1307-F924-8A3B-2DAD50C9580A}"/>
+              </a:ext>
+            </a:extLst>
+          </p:cNvPr>
+          <p:cNvSpPr txBox="1"/>
+          <p:nvPr/>
+        </p:nvSpPr>
+        <p:spPr>
+          <a:xfrm>
+            <a:off x="5916156" y="991152"/>
+            <a:ext cx="1910282" cy="369332"/>
+          </a:xfrm>
+          <a:prstGeom prst="rect">
+            <a:avLst/>
+          </a:prstGeom>
+          <a:noFill/>
+        </p:spPr>
+        <p:txBody>
+          <a:bodyPr wrap="square" rtlCol="0">
+            <a:spAutoFit/>
+          </a:bodyPr>
+          <a:lstStyle/>
+          <a:p>
+            <a:r>
+              <a:rPr lang="en-US" altLang="ko-KR" dirty="0"/>
+              <a:t>Header</a:t>
+            </a:r>
+            <a:endParaRPr lang="ko-KR" altLang="en-US" dirty="0"/>
+          </a:p>
+        </p:txBody>
+      </p:sp>
+      <p:sp>
+        <p:nvSpPr>
+          <p:cNvPr id="13" name="TextBox 12">
+            <a:extLst>
+              <a:ext uri="{FF2B5EF4-FFF2-40B4-BE49-F238E27FC236}">
+                <a16:creationId xmlns:a16="http://schemas.microsoft.com/office/drawing/2014/main" id="{C570D7D3-90EC-94B6-B3BF-A79114A0D95C}"/>
+              </a:ext>
+            </a:extLst>
+          </p:cNvPr>
+          <p:cNvSpPr txBox="1"/>
+          <p:nvPr/>
+        </p:nvSpPr>
+        <p:spPr>
+          <a:xfrm>
+            <a:off x="10281718" y="3632074"/>
+            <a:ext cx="1910282" cy="369332"/>
+          </a:xfrm>
+          <a:prstGeom prst="rect">
+            <a:avLst/>
+          </a:prstGeom>
+          <a:noFill/>
+        </p:spPr>
+        <p:txBody>
+          <a:bodyPr wrap="square" rtlCol="0">
+            <a:spAutoFit/>
+          </a:bodyPr>
+          <a:lstStyle/>
+          <a:p>
+            <a:r>
+              <a:rPr lang="en-US" altLang="ko-KR" dirty="0"/>
+              <a:t>Main Dashboard</a:t>
+            </a:r>
+            <a:endParaRPr lang="ko-KR" altLang="en-US" dirty="0"/>
+          </a:p>
+        </p:txBody>
+      </p:sp>
+      <p:sp>
+        <p:nvSpPr>
+          <p:cNvPr id="14" name="TextBox 13">
+            <a:extLst>
+              <a:ext uri="{FF2B5EF4-FFF2-40B4-BE49-F238E27FC236}">
+                <a16:creationId xmlns:a16="http://schemas.microsoft.com/office/drawing/2014/main" id="{A0905212-711A-6C3B-D920-9FEA7BE02A1A}"/>
+              </a:ext>
+            </a:extLst>
+          </p:cNvPr>
+          <p:cNvSpPr txBox="1"/>
+          <p:nvPr/>
+        </p:nvSpPr>
+        <p:spPr>
+          <a:xfrm>
+            <a:off x="5916156" y="6539404"/>
+            <a:ext cx="1910282" cy="369332"/>
+          </a:xfrm>
+          <a:prstGeom prst="rect">
+            <a:avLst/>
+          </a:prstGeom>
+          <a:noFill/>
+        </p:spPr>
+        <p:txBody>
+          <a:bodyPr wrap="square" rtlCol="0">
+            <a:spAutoFit/>
+          </a:bodyPr>
+          <a:lstStyle/>
+          <a:p>
+            <a:r>
+              <a:rPr lang="en-US" altLang="ko-KR" dirty="0"/>
+              <a:t>Footer</a:t>
+            </a:r>
+            <a:endParaRPr lang="ko-KR" altLang="en-US" dirty="0"/>
+          </a:p>
+        </p:txBody>
+      </p:sp>
     </p:spTree>
     <p:extLst>
       <p:ext uri="{BB962C8B-B14F-4D97-AF65-F5344CB8AC3E}">
-        <p14:creationId xmlns:p14="http://schemas.microsoft.com/office/powerpoint/2010/main" val="3049383122"/>
+        <p14:creationId xmlns:p14="http://schemas.microsoft.com/office/powerpoint/2010/main" val="27394675"/>
       </p:ext>
     </p:extLst>
   </p:cSld>
@@ -6249,7 +7115,7 @@
           <p:cNvPr id="2" name="제목 1">
             <a:extLst>
               <a:ext uri="{FF2B5EF4-FFF2-40B4-BE49-F238E27FC236}">
-                <a16:creationId xmlns:a16="http://schemas.microsoft.com/office/drawing/2014/main" id="{9D8D6AF7-4A9C-31A1-B500-16EBAC056BD2}"/>
+                <a16:creationId xmlns:a16="http://schemas.microsoft.com/office/drawing/2014/main" id="{3716CBA8-6EBB-2485-851E-63AF763DC93E}"/>
               </a:ext>
             </a:extLst>
           </p:cNvPr>
@@ -6267,7 +7133,7 @@
           <a:p>
             <a:r>
               <a:rPr lang="en-US" altLang="ko-KR" dirty="0"/>
-              <a:t>Layout-navigation bar</a:t>
+              <a:t>layout-header</a:t>
             </a:r>
             <a:endParaRPr lang="ko-KR" altLang="en-US" dirty="0"/>
           </a:p>
@@ -6278,7 +7144,7 @@
           <p:cNvPr id="3" name="내용 개체 틀 2">
             <a:extLst>
               <a:ext uri="{FF2B5EF4-FFF2-40B4-BE49-F238E27FC236}">
-                <a16:creationId xmlns:a16="http://schemas.microsoft.com/office/drawing/2014/main" id="{55FA66F1-3F1B-FF03-781D-1E2DD5A25CA5}"/>
+                <a16:creationId xmlns:a16="http://schemas.microsoft.com/office/drawing/2014/main" id="{40690AAC-5337-2F57-741B-9D2F55C27DA4}"/>
               </a:ext>
             </a:extLst>
           </p:cNvPr>
@@ -6296,19 +7162,7 @@
           <a:p>
             <a:r>
               <a:rPr lang="en-US" altLang="ko-KR" dirty="0"/>
-              <a:t>You can switch the page</a:t>
-            </a:r>
-          </a:p>
-          <a:p>
-            <a:r>
-              <a:rPr lang="en-US" altLang="ko-KR" b="0" i="0" dirty="0">
-                <a:solidFill>
-                  <a:srgbClr val="000000"/>
-                </a:solidFill>
-                <a:effectLst/>
-                <a:latin typeface="noto"/>
-              </a:rPr>
-              <a:t>through this navigation bar.</a:t>
+              <a:t>Title of the application and a brief description.</a:t>
             </a:r>
             <a:endParaRPr lang="ko-KR" altLang="en-US" dirty="0"/>
           </a:p>
@@ -6316,10 +7170,10 @@
       </p:sp>
       <p:pic>
         <p:nvPicPr>
-          <p:cNvPr id="5" name="그림 4">
-            <a:extLst>
-              <a:ext uri="{FF2B5EF4-FFF2-40B4-BE49-F238E27FC236}">
-                <a16:creationId xmlns:a16="http://schemas.microsoft.com/office/drawing/2014/main" id="{C03F5402-75D7-5A4A-BFDB-95716C459B95}"/>
+          <p:cNvPr id="7" name="그림 6">
+            <a:extLst>
+              <a:ext uri="{FF2B5EF4-FFF2-40B4-BE49-F238E27FC236}">
+                <a16:creationId xmlns:a16="http://schemas.microsoft.com/office/drawing/2014/main" id="{A2FD621F-877C-F711-144D-F69DFA577CB6}"/>
               </a:ext>
             </a:extLst>
           </p:cNvPr>
@@ -6336,68 +7190,8 @@
         </p:blipFill>
         <p:spPr>
           <a:xfrm>
-            <a:off x="6026967" y="2209800"/>
-            <a:ext cx="2057400" cy="3657600"/>
-          </a:xfrm>
-          <a:prstGeom prst="rect">
-            <a:avLst/>
-          </a:prstGeom>
-        </p:spPr>
-      </p:pic>
-      <p:pic>
-        <p:nvPicPr>
-          <p:cNvPr id="7" name="그림 6">
-            <a:extLst>
-              <a:ext uri="{FF2B5EF4-FFF2-40B4-BE49-F238E27FC236}">
-                <a16:creationId xmlns:a16="http://schemas.microsoft.com/office/drawing/2014/main" id="{BD7543C8-9603-8A6E-6FB8-EB6B8F1430F3}"/>
-              </a:ext>
-            </a:extLst>
-          </p:cNvPr>
-          <p:cNvPicPr>
-            <a:picLocks noChangeAspect="1"/>
-          </p:cNvPicPr>
-          <p:nvPr/>
-        </p:nvPicPr>
-        <p:blipFill>
-          <a:blip r:embed="rId3"/>
-          <a:stretch>
-            <a:fillRect/>
-          </a:stretch>
-        </p:blipFill>
-        <p:spPr>
-          <a:xfrm>
-            <a:off x="8084367" y="2215175"/>
-            <a:ext cx="2038350" cy="3724275"/>
-          </a:xfrm>
-          <a:prstGeom prst="rect">
-            <a:avLst/>
-          </a:prstGeom>
-        </p:spPr>
-      </p:pic>
-      <p:pic>
-        <p:nvPicPr>
-          <p:cNvPr id="9" name="그림 8">
-            <a:extLst>
-              <a:ext uri="{FF2B5EF4-FFF2-40B4-BE49-F238E27FC236}">
-                <a16:creationId xmlns:a16="http://schemas.microsoft.com/office/drawing/2014/main" id="{A23B7656-96A7-D5FC-1A8F-534118E3BA37}"/>
-              </a:ext>
-            </a:extLst>
-          </p:cNvPr>
-          <p:cNvPicPr>
-            <a:picLocks noChangeAspect="1"/>
-          </p:cNvPicPr>
-          <p:nvPr/>
-        </p:nvPicPr>
-        <p:blipFill>
-          <a:blip r:embed="rId4"/>
-          <a:stretch>
-            <a:fillRect/>
-          </a:stretch>
-        </p:blipFill>
-        <p:spPr>
-          <a:xfrm>
-            <a:off x="10153650" y="2286000"/>
-            <a:ext cx="2038350" cy="3505200"/>
+            <a:off x="4457700" y="1343025"/>
+            <a:ext cx="3276600" cy="942975"/>
           </a:xfrm>
           <a:prstGeom prst="rect">
             <a:avLst/>
@@ -6407,7 +7201,7 @@
     </p:spTree>
     <p:extLst>
       <p:ext uri="{BB962C8B-B14F-4D97-AF65-F5344CB8AC3E}">
-        <p14:creationId xmlns:p14="http://schemas.microsoft.com/office/powerpoint/2010/main" val="396872726"/>
+        <p14:creationId xmlns:p14="http://schemas.microsoft.com/office/powerpoint/2010/main" val="3049383122"/>
       </p:ext>
     </p:extLst>
   </p:cSld>
@@ -6439,7 +7233,7 @@
           <p:cNvPr id="2" name="제목 1">
             <a:extLst>
               <a:ext uri="{FF2B5EF4-FFF2-40B4-BE49-F238E27FC236}">
-                <a16:creationId xmlns:a16="http://schemas.microsoft.com/office/drawing/2014/main" id="{15BFF14F-7CFC-E5FF-7B77-FAF375DEAB6D}"/>
+                <a16:creationId xmlns:a16="http://schemas.microsoft.com/office/drawing/2014/main" id="{9D8D6AF7-4A9C-31A1-B500-16EBAC056BD2}"/>
               </a:ext>
             </a:extLst>
           </p:cNvPr>
@@ -6457,7 +7251,7 @@
           <a:p>
             <a:r>
               <a:rPr lang="en-US" altLang="ko-KR" dirty="0"/>
-              <a:t>Layout- footer</a:t>
+              <a:t>Layout-navigation bar</a:t>
             </a:r>
             <a:endParaRPr lang="ko-KR" altLang="en-US" dirty="0"/>
           </a:p>
@@ -6468,7 +7262,7 @@
           <p:cNvPr id="3" name="내용 개체 틀 2">
             <a:extLst>
               <a:ext uri="{FF2B5EF4-FFF2-40B4-BE49-F238E27FC236}">
-                <a16:creationId xmlns:a16="http://schemas.microsoft.com/office/drawing/2014/main" id="{CECD4F03-2D0B-6675-675E-16F0CFD36770}"/>
+                <a16:creationId xmlns:a16="http://schemas.microsoft.com/office/drawing/2014/main" id="{55FA66F1-3F1B-FF03-781D-1E2DD5A25CA5}"/>
               </a:ext>
             </a:extLst>
           </p:cNvPr>
@@ -6486,21 +7280,19 @@
           <a:p>
             <a:r>
               <a:rPr lang="en-US" altLang="ko-KR" dirty="0"/>
-              <a:t>You can view my </a:t>
-            </a:r>
-            <a:r>
-              <a:rPr lang="en-US" altLang="ko-KR" dirty="0" err="1"/>
-              <a:t>github</a:t>
-            </a:r>
-            <a:r>
-              <a:rPr lang="en-US" altLang="ko-KR" dirty="0"/>
-              <a:t>, blog, contact, resume link</a:t>
-            </a:r>
-          </a:p>
-          <a:p>
-            <a:r>
-              <a:rPr lang="en-US" altLang="ko-KR" dirty="0"/>
-              <a:t>License link(GNU General Public License v3.0)</a:t>
+              <a:t>You can switch the page</a:t>
+            </a:r>
+          </a:p>
+          <a:p>
+            <a:r>
+              <a:rPr lang="en-US" altLang="ko-KR" b="0" i="0" dirty="0">
+                <a:solidFill>
+                  <a:srgbClr val="000000"/>
+                </a:solidFill>
+                <a:effectLst/>
+                <a:latin typeface="noto"/>
+              </a:rPr>
+              <a:t>through this navigation bar.</a:t>
             </a:r>
             <a:endParaRPr lang="ko-KR" altLang="en-US" dirty="0"/>
           </a:p>
@@ -6511,7 +7303,7 @@
           <p:cNvPr id="5" name="그림 4">
             <a:extLst>
               <a:ext uri="{FF2B5EF4-FFF2-40B4-BE49-F238E27FC236}">
-                <a16:creationId xmlns:a16="http://schemas.microsoft.com/office/drawing/2014/main" id="{9C132E4D-1D5A-2473-ADA5-33B5D4C713DD}"/>
+                <a16:creationId xmlns:a16="http://schemas.microsoft.com/office/drawing/2014/main" id="{C03F5402-75D7-5A4A-BFDB-95716C459B95}"/>
               </a:ext>
             </a:extLst>
           </p:cNvPr>
@@ -6528,8 +7320,68 @@
         </p:blipFill>
         <p:spPr>
           <a:xfrm>
-            <a:off x="2266950" y="1657350"/>
-            <a:ext cx="7810500" cy="514350"/>
+            <a:off x="6026967" y="2209800"/>
+            <a:ext cx="2057400" cy="3657600"/>
+          </a:xfrm>
+          <a:prstGeom prst="rect">
+            <a:avLst/>
+          </a:prstGeom>
+        </p:spPr>
+      </p:pic>
+      <p:pic>
+        <p:nvPicPr>
+          <p:cNvPr id="7" name="그림 6">
+            <a:extLst>
+              <a:ext uri="{FF2B5EF4-FFF2-40B4-BE49-F238E27FC236}">
+                <a16:creationId xmlns:a16="http://schemas.microsoft.com/office/drawing/2014/main" id="{BD7543C8-9603-8A6E-6FB8-EB6B8F1430F3}"/>
+              </a:ext>
+            </a:extLst>
+          </p:cNvPr>
+          <p:cNvPicPr>
+            <a:picLocks noChangeAspect="1"/>
+          </p:cNvPicPr>
+          <p:nvPr/>
+        </p:nvPicPr>
+        <p:blipFill>
+          <a:blip r:embed="rId3"/>
+          <a:stretch>
+            <a:fillRect/>
+          </a:stretch>
+        </p:blipFill>
+        <p:spPr>
+          <a:xfrm>
+            <a:off x="8084367" y="2215175"/>
+            <a:ext cx="2038350" cy="3724275"/>
+          </a:xfrm>
+          <a:prstGeom prst="rect">
+            <a:avLst/>
+          </a:prstGeom>
+        </p:spPr>
+      </p:pic>
+      <p:pic>
+        <p:nvPicPr>
+          <p:cNvPr id="9" name="그림 8">
+            <a:extLst>
+              <a:ext uri="{FF2B5EF4-FFF2-40B4-BE49-F238E27FC236}">
+                <a16:creationId xmlns:a16="http://schemas.microsoft.com/office/drawing/2014/main" id="{A23B7656-96A7-D5FC-1A8F-534118E3BA37}"/>
+              </a:ext>
+            </a:extLst>
+          </p:cNvPr>
+          <p:cNvPicPr>
+            <a:picLocks noChangeAspect="1"/>
+          </p:cNvPicPr>
+          <p:nvPr/>
+        </p:nvPicPr>
+        <p:blipFill>
+          <a:blip r:embed="rId4"/>
+          <a:stretch>
+            <a:fillRect/>
+          </a:stretch>
+        </p:blipFill>
+        <p:spPr>
+          <a:xfrm>
+            <a:off x="10153650" y="2286000"/>
+            <a:ext cx="2038350" cy="3505200"/>
           </a:xfrm>
           <a:prstGeom prst="rect">
             <a:avLst/>
@@ -6539,7 +7391,7 @@
     </p:spTree>
     <p:extLst>
       <p:ext uri="{BB962C8B-B14F-4D97-AF65-F5344CB8AC3E}">
-        <p14:creationId xmlns:p14="http://schemas.microsoft.com/office/powerpoint/2010/main" val="3166133470"/>
+        <p14:creationId xmlns:p14="http://schemas.microsoft.com/office/powerpoint/2010/main" val="396872726"/>
       </p:ext>
     </p:extLst>
   </p:cSld>
@@ -6571,7 +7423,7 @@
           <p:cNvPr id="2" name="제목 1">
             <a:extLst>
               <a:ext uri="{FF2B5EF4-FFF2-40B4-BE49-F238E27FC236}">
-                <a16:creationId xmlns:a16="http://schemas.microsoft.com/office/drawing/2014/main" id="{8F5F3261-6EF3-EDD1-B963-951BF745F47C}"/>
+                <a16:creationId xmlns:a16="http://schemas.microsoft.com/office/drawing/2014/main" id="{15BFF14F-7CFC-E5FF-7B77-FAF375DEAB6D}"/>
               </a:ext>
             </a:extLst>
           </p:cNvPr>
@@ -6589,7 +7441,50 @@
           <a:p>
             <a:r>
               <a:rPr lang="en-US" altLang="ko-KR" dirty="0"/>
-              <a:t>Feature1. real-time dashboard</a:t>
+              <a:t>Layout- footer</a:t>
+            </a:r>
+            <a:endParaRPr lang="ko-KR" altLang="en-US" dirty="0"/>
+          </a:p>
+        </p:txBody>
+      </p:sp>
+      <p:sp>
+        <p:nvSpPr>
+          <p:cNvPr id="3" name="내용 개체 틀 2">
+            <a:extLst>
+              <a:ext uri="{FF2B5EF4-FFF2-40B4-BE49-F238E27FC236}">
+                <a16:creationId xmlns:a16="http://schemas.microsoft.com/office/drawing/2014/main" id="{CECD4F03-2D0B-6675-675E-16F0CFD36770}"/>
+              </a:ext>
+            </a:extLst>
+          </p:cNvPr>
+          <p:cNvSpPr>
+            <a:spLocks noGrp="1"/>
+          </p:cNvSpPr>
+          <p:nvPr>
+            <p:ph idx="1"/>
+          </p:nvPr>
+        </p:nvSpPr>
+        <p:spPr/>
+        <p:txBody>
+          <a:bodyPr/>
+          <a:lstStyle/>
+          <a:p>
+            <a:r>
+              <a:rPr lang="en-US" altLang="ko-KR" dirty="0"/>
+              <a:t>You can view my </a:t>
+            </a:r>
+            <a:r>
+              <a:rPr lang="en-US" altLang="ko-KR" dirty="0" err="1"/>
+              <a:t>github</a:t>
+            </a:r>
+            <a:r>
+              <a:rPr lang="en-US" altLang="ko-KR" dirty="0"/>
+              <a:t>, blog, contact, resume link</a:t>
+            </a:r>
+          </a:p>
+          <a:p>
+            <a:r>
+              <a:rPr lang="en-US" altLang="ko-KR" dirty="0"/>
+              <a:t>License link(GNU General Public License v3.0)</a:t>
             </a:r>
             <a:endParaRPr lang="ko-KR" altLang="en-US" dirty="0"/>
           </a:p>
@@ -6597,45 +7492,10 @@
       </p:sp>
       <p:pic>
         <p:nvPicPr>
-          <p:cNvPr id="9" name="내용 개체 틀 8" descr="텍스트, 스크린샷, 폰트, 번호이(가) 표시된 사진&#10;&#10;자동 생성된 설명">
-            <a:extLst>
-              <a:ext uri="{FF2B5EF4-FFF2-40B4-BE49-F238E27FC236}">
-                <a16:creationId xmlns:a16="http://schemas.microsoft.com/office/drawing/2014/main" id="{F7B8357D-6E0D-0DE0-DC12-1AE8A9E93DE3}"/>
-              </a:ext>
-            </a:extLst>
-          </p:cNvPr>
-          <p:cNvPicPr>
-            <a:picLocks noGrp="1" noChangeAspect="1"/>
-          </p:cNvPicPr>
-          <p:nvPr>
-            <p:ph idx="1"/>
-          </p:nvPr>
-        </p:nvPicPr>
-        <p:blipFill>
-          <a:blip r:embed="rId2">
-            <a:extLst>
-              <a:ext uri="{28A0092B-C50C-407E-A947-70E740481C1C}">
-                <a14:useLocalDpi xmlns:a14="http://schemas.microsoft.com/office/drawing/2010/main" val="0"/>
-              </a:ext>
-            </a:extLst>
-          </a:blip>
-          <a:stretch>
-            <a:fillRect/>
-          </a:stretch>
-        </p:blipFill>
-        <p:spPr>
-          <a:xfrm>
-            <a:off x="9334123" y="94629"/>
-            <a:ext cx="2681381" cy="1182341"/>
-          </a:xfrm>
-        </p:spPr>
-      </p:pic>
-      <p:pic>
-        <p:nvPicPr>
-          <p:cNvPr id="13" name="그림 12">
-            <a:extLst>
-              <a:ext uri="{FF2B5EF4-FFF2-40B4-BE49-F238E27FC236}">
-                <a16:creationId xmlns:a16="http://schemas.microsoft.com/office/drawing/2014/main" id="{6AD6A873-CB94-B64C-1FDA-DFDE3E1093D0}"/>
+          <p:cNvPr id="5" name="그림 4">
+            <a:extLst>
+              <a:ext uri="{FF2B5EF4-FFF2-40B4-BE49-F238E27FC236}">
+                <a16:creationId xmlns:a16="http://schemas.microsoft.com/office/drawing/2014/main" id="{9C132E4D-1D5A-2473-ADA5-33B5D4C713DD}"/>
               </a:ext>
             </a:extLst>
           </p:cNvPr>
@@ -6645,205 +7505,25 @@
           <p:nvPr/>
         </p:nvPicPr>
         <p:blipFill>
-          <a:blip r:embed="rId3"/>
+          <a:blip r:embed="rId2"/>
           <a:stretch>
             <a:fillRect/>
           </a:stretch>
         </p:blipFill>
         <p:spPr>
           <a:xfrm>
-            <a:off x="864087" y="1428750"/>
-            <a:ext cx="6215723" cy="5332270"/>
+            <a:off x="2266950" y="1657350"/>
+            <a:ext cx="7810500" cy="514350"/>
           </a:xfrm>
           <a:prstGeom prst="rect">
             <a:avLst/>
           </a:prstGeom>
         </p:spPr>
       </p:pic>
-      <p:sp>
-        <p:nvSpPr>
-          <p:cNvPr id="28" name="TextBox 27">
-            <a:extLst>
-              <a:ext uri="{FF2B5EF4-FFF2-40B4-BE49-F238E27FC236}">
-                <a16:creationId xmlns:a16="http://schemas.microsoft.com/office/drawing/2014/main" id="{3C455EE9-B2BF-D2DA-624D-4E8C705C0820}"/>
-              </a:ext>
-            </a:extLst>
-          </p:cNvPr>
-          <p:cNvSpPr txBox="1"/>
-          <p:nvPr/>
-        </p:nvSpPr>
-        <p:spPr>
-          <a:xfrm>
-            <a:off x="7325552" y="1862834"/>
-            <a:ext cx="2659959" cy="5016758"/>
-          </a:xfrm>
-          <a:prstGeom prst="rect">
-            <a:avLst/>
-          </a:prstGeom>
-          <a:noFill/>
-        </p:spPr>
-        <p:txBody>
-          <a:bodyPr wrap="none" rtlCol="0">
-            <a:spAutoFit/>
-          </a:bodyPr>
-          <a:lstStyle/>
-          <a:p>
-            <a:r>
-              <a:rPr lang="en-US" altLang="ko-KR" sz="2000" dirty="0"/>
-              <a:t>Real-time</a:t>
-            </a:r>
-          </a:p>
-          <a:p>
-            <a:r>
-              <a:rPr lang="en-US" altLang="ko-KR" sz="2000" dirty="0"/>
-              <a:t>- City</a:t>
-            </a:r>
-          </a:p>
-          <a:p>
-            <a:r>
-              <a:rPr lang="en-US" altLang="ko-KR" sz="2000" dirty="0"/>
-              <a:t>- Country</a:t>
-            </a:r>
-          </a:p>
-          <a:p>
-            <a:r>
-              <a:rPr lang="en-US" altLang="ko-KR" sz="2000" dirty="0"/>
-              <a:t>- Last updated</a:t>
-            </a:r>
-          </a:p>
-          <a:p>
-            <a:r>
-              <a:rPr lang="en-US" altLang="ko-KR" sz="2000" dirty="0"/>
-              <a:t>- Weather image</a:t>
-            </a:r>
-          </a:p>
-          <a:p>
-            <a:r>
-              <a:rPr lang="en-US" altLang="ko-KR" sz="2000" dirty="0"/>
-              <a:t>- Air quality</a:t>
-            </a:r>
-          </a:p>
-          <a:p>
-            <a:r>
-              <a:rPr lang="en-US" altLang="ko-KR" sz="2000" dirty="0"/>
-              <a:t>- Temperature</a:t>
-            </a:r>
-          </a:p>
-          <a:p>
-            <a:r>
-              <a:rPr lang="en-US" altLang="ko-KR" sz="2000" dirty="0"/>
-              <a:t>- </a:t>
-            </a:r>
-            <a:r>
-              <a:rPr lang="en-US" altLang="ko-KR" sz="2000" dirty="0" err="1"/>
-              <a:t>Feelslike</a:t>
-            </a:r>
-            <a:r>
-              <a:rPr lang="en-US" altLang="ko-KR" sz="2000" dirty="0"/>
-              <a:t> temperature</a:t>
-            </a:r>
-          </a:p>
-          <a:p>
-            <a:r>
-              <a:rPr lang="en-US" altLang="ko-KR" sz="2000" dirty="0"/>
-              <a:t>- Humidity</a:t>
-            </a:r>
-          </a:p>
-          <a:p>
-            <a:r>
-              <a:rPr lang="en-US" altLang="ko-KR" sz="2000" dirty="0"/>
-              <a:t>- Wind</a:t>
-            </a:r>
-          </a:p>
-          <a:p>
-            <a:r>
-              <a:rPr lang="en-US" altLang="ko-KR" sz="2000" dirty="0"/>
-              <a:t>- Pm10</a:t>
-            </a:r>
-          </a:p>
-          <a:p>
-            <a:r>
-              <a:rPr lang="en-US" altLang="ko-KR" sz="2000" dirty="0"/>
-              <a:t>- Pm2.5</a:t>
-            </a:r>
-          </a:p>
-          <a:p>
-            <a:r>
-              <a:rPr lang="en-US" altLang="ko-KR" sz="2000" dirty="0"/>
-              <a:t>- CO</a:t>
-            </a:r>
-          </a:p>
-          <a:p>
-            <a:r>
-              <a:rPr lang="en-US" altLang="ko-KR" sz="2000" dirty="0"/>
-              <a:t>- O3</a:t>
-            </a:r>
-          </a:p>
-          <a:p>
-            <a:r>
-              <a:rPr lang="en-US" altLang="ko-KR" sz="2000" dirty="0"/>
-              <a:t>- NO2</a:t>
-            </a:r>
-          </a:p>
-          <a:p>
-            <a:r>
-              <a:rPr lang="en-US" altLang="ko-KR" sz="2000" dirty="0"/>
-              <a:t>- SO2</a:t>
-            </a:r>
-            <a:endParaRPr lang="ko-KR" altLang="en-US" sz="2000" dirty="0"/>
-          </a:p>
-        </p:txBody>
-      </p:sp>
-      <p:sp>
-        <p:nvSpPr>
-          <p:cNvPr id="29" name="TextBox 28">
-            <a:extLst>
-              <a:ext uri="{FF2B5EF4-FFF2-40B4-BE49-F238E27FC236}">
-                <a16:creationId xmlns:a16="http://schemas.microsoft.com/office/drawing/2014/main" id="{D9F3B2B0-3E04-DDFB-3DB7-D6855B08D029}"/>
-              </a:ext>
-            </a:extLst>
-          </p:cNvPr>
-          <p:cNvSpPr txBox="1"/>
-          <p:nvPr/>
-        </p:nvSpPr>
-        <p:spPr>
-          <a:xfrm>
-            <a:off x="7325552" y="1539669"/>
-            <a:ext cx="4099777" cy="646331"/>
-          </a:xfrm>
-          <a:prstGeom prst="rect">
-            <a:avLst/>
-          </a:prstGeom>
-          <a:noFill/>
-        </p:spPr>
-        <p:txBody>
-          <a:bodyPr wrap="none" rtlCol="0">
-            <a:spAutoFit/>
-          </a:bodyPr>
-          <a:lstStyle/>
-          <a:p>
-            <a:r>
-              <a:rPr lang="en-US" altLang="ko-KR" dirty="0"/>
-              <a:t>Using Free Weather API, </a:t>
-            </a:r>
-            <a:r>
-              <a:rPr lang="en-US" altLang="ko-KR" dirty="0" err="1"/>
-              <a:t>jquery</a:t>
-            </a:r>
-            <a:r>
-              <a:rPr lang="en-US" altLang="ko-KR" dirty="0"/>
-              <a:t> and AJAX</a:t>
-            </a:r>
-          </a:p>
-          <a:p>
-            <a:endParaRPr lang="ko-KR" altLang="en-US" dirty="0"/>
-          </a:p>
-        </p:txBody>
-      </p:sp>
     </p:spTree>
     <p:extLst>
       <p:ext uri="{BB962C8B-B14F-4D97-AF65-F5344CB8AC3E}">
-        <p14:creationId xmlns:p14="http://schemas.microsoft.com/office/powerpoint/2010/main" val="2564707920"/>
+        <p14:creationId xmlns:p14="http://schemas.microsoft.com/office/powerpoint/2010/main" val="3166133470"/>
       </p:ext>
     </p:extLst>
   </p:cSld>
@@ -6875,7 +7555,7 @@
           <p:cNvPr id="2" name="제목 1">
             <a:extLst>
               <a:ext uri="{FF2B5EF4-FFF2-40B4-BE49-F238E27FC236}">
-                <a16:creationId xmlns:a16="http://schemas.microsoft.com/office/drawing/2014/main" id="{0996FA92-7FD9-FB90-61A8-7107C736333E}"/>
+                <a16:creationId xmlns:a16="http://schemas.microsoft.com/office/drawing/2014/main" id="{8F5F3261-6EF3-EDD1-B963-951BF745F47C}"/>
               </a:ext>
             </a:extLst>
           </p:cNvPr>
@@ -6893,83 +7573,53 @@
           <a:p>
             <a:r>
               <a:rPr lang="en-US" altLang="ko-KR" dirty="0"/>
-              <a:t>Featur1-1. color of PM10 and PM2.5</a:t>
-            </a:r>
-            <a:endParaRPr lang="ko-KR" altLang="en-US" dirty="0"/>
-          </a:p>
-        </p:txBody>
-      </p:sp>
-      <p:sp>
-        <p:nvSpPr>
-          <p:cNvPr id="3" name="내용 개체 틀 2">
-            <a:extLst>
-              <a:ext uri="{FF2B5EF4-FFF2-40B4-BE49-F238E27FC236}">
-                <a16:creationId xmlns:a16="http://schemas.microsoft.com/office/drawing/2014/main" id="{C35EA1BB-16BB-6B6D-7463-708A8564F731}"/>
-              </a:ext>
-            </a:extLst>
-          </p:cNvPr>
-          <p:cNvSpPr>
-            <a:spLocks noGrp="1"/>
-          </p:cNvSpPr>
-          <p:nvPr>
-            <p:ph idx="1"/>
-          </p:nvPr>
-        </p:nvSpPr>
-        <p:spPr>
-          <a:xfrm>
-            <a:off x="1371600" y="2286000"/>
-            <a:ext cx="9601200" cy="4572000"/>
-          </a:xfrm>
-        </p:spPr>
-        <p:txBody>
-          <a:bodyPr/>
-          <a:lstStyle/>
-          <a:p>
-            <a:r>
-              <a:rPr lang="en-US" altLang="ko-KR" dirty="0"/>
-              <a:t>PM10 and PM2.5</a:t>
-            </a:r>
-          </a:p>
-          <a:p>
-            <a:pPr lvl="1"/>
-            <a:r>
-              <a:rPr lang="en-US" altLang="ko-KR" dirty="0"/>
-              <a:t>Good: blue</a:t>
-            </a:r>
-          </a:p>
-          <a:p>
-            <a:pPr lvl="1"/>
-            <a:r>
-              <a:rPr lang="en-US" altLang="ko-KR" dirty="0"/>
-              <a:t>Moderate: green</a:t>
-            </a:r>
-          </a:p>
-          <a:p>
-            <a:pPr lvl="1"/>
-            <a:r>
-              <a:rPr lang="en-US" altLang="ko-KR" dirty="0"/>
-              <a:t>Bad: orange</a:t>
-            </a:r>
-          </a:p>
-          <a:p>
-            <a:pPr lvl="1"/>
-            <a:r>
-              <a:rPr lang="en-US" altLang="ko-KR" dirty="0"/>
-              <a:t>Very bad: red</a:t>
-            </a:r>
-            <a:endParaRPr lang="ko-KR" altLang="en-US" dirty="0"/>
-          </a:p>
-          <a:p>
+              <a:t>Feature1. real-time dashboard</a:t>
+            </a:r>
             <a:endParaRPr lang="ko-KR" altLang="en-US" dirty="0"/>
           </a:p>
         </p:txBody>
       </p:sp>
       <p:pic>
         <p:nvPicPr>
-          <p:cNvPr id="23" name="그림 22">
-            <a:extLst>
-              <a:ext uri="{FF2B5EF4-FFF2-40B4-BE49-F238E27FC236}">
-                <a16:creationId xmlns:a16="http://schemas.microsoft.com/office/drawing/2014/main" id="{09873A23-9C48-F3DD-479D-D1FE1DCEDA04}"/>
+          <p:cNvPr id="9" name="내용 개체 틀 8" descr="텍스트, 스크린샷, 폰트, 번호이(가) 표시된 사진&#10;&#10;자동 생성된 설명">
+            <a:extLst>
+              <a:ext uri="{FF2B5EF4-FFF2-40B4-BE49-F238E27FC236}">
+                <a16:creationId xmlns:a16="http://schemas.microsoft.com/office/drawing/2014/main" id="{F7B8357D-6E0D-0DE0-DC12-1AE8A9E93DE3}"/>
+              </a:ext>
+            </a:extLst>
+          </p:cNvPr>
+          <p:cNvPicPr>
+            <a:picLocks noGrp="1" noChangeAspect="1"/>
+          </p:cNvPicPr>
+          <p:nvPr>
+            <p:ph idx="1"/>
+          </p:nvPr>
+        </p:nvPicPr>
+        <p:blipFill>
+          <a:blip r:embed="rId2">
+            <a:extLst>
+              <a:ext uri="{28A0092B-C50C-407E-A947-70E740481C1C}">
+                <a14:useLocalDpi xmlns:a14="http://schemas.microsoft.com/office/drawing/2010/main" val="0"/>
+              </a:ext>
+            </a:extLst>
+          </a:blip>
+          <a:stretch>
+            <a:fillRect/>
+          </a:stretch>
+        </p:blipFill>
+        <p:spPr>
+          <a:xfrm>
+            <a:off x="9334123" y="94629"/>
+            <a:ext cx="2681381" cy="1182341"/>
+          </a:xfrm>
+        </p:spPr>
+      </p:pic>
+      <p:pic>
+        <p:nvPicPr>
+          <p:cNvPr id="13" name="그림 12">
+            <a:extLst>
+              <a:ext uri="{FF2B5EF4-FFF2-40B4-BE49-F238E27FC236}">
+                <a16:creationId xmlns:a16="http://schemas.microsoft.com/office/drawing/2014/main" id="{6AD6A873-CB94-B64C-1FDA-DFDE3E1093D0}"/>
               </a:ext>
             </a:extLst>
           </p:cNvPr>
@@ -6979,15 +7629,15 @@
           <p:nvPr/>
         </p:nvPicPr>
         <p:blipFill>
-          <a:blip r:embed="rId2"/>
+          <a:blip r:embed="rId3"/>
           <a:stretch>
             <a:fillRect/>
           </a:stretch>
         </p:blipFill>
         <p:spPr>
           <a:xfrm>
-            <a:off x="971899" y="5598751"/>
-            <a:ext cx="3440694" cy="1146898"/>
+            <a:off x="864087" y="1428750"/>
+            <a:ext cx="6215723" cy="5332270"/>
           </a:xfrm>
           <a:prstGeom prst="rect">
             <a:avLst/>
@@ -6996,10 +7646,10 @@
       </p:pic>
       <p:sp>
         <p:nvSpPr>
-          <p:cNvPr id="26" name="TextBox 25">
-            <a:extLst>
-              <a:ext uri="{FF2B5EF4-FFF2-40B4-BE49-F238E27FC236}">
-                <a16:creationId xmlns:a16="http://schemas.microsoft.com/office/drawing/2014/main" id="{7713D0C7-4DB4-A6D6-CF7E-B21C6001EE52}"/>
+          <p:cNvPr id="28" name="TextBox 27">
+            <a:extLst>
+              <a:ext uri="{FF2B5EF4-FFF2-40B4-BE49-F238E27FC236}">
+                <a16:creationId xmlns:a16="http://schemas.microsoft.com/office/drawing/2014/main" id="{3C455EE9-B2BF-D2DA-624D-4E8C705C0820}"/>
               </a:ext>
             </a:extLst>
           </p:cNvPr>
@@ -7008,8 +7658,8 @@
         </p:nvSpPr>
         <p:spPr>
           <a:xfrm>
-            <a:off x="6629164" y="1428750"/>
-            <a:ext cx="184731" cy="369332"/>
+            <a:off x="7325552" y="1862834"/>
+            <a:ext cx="2659959" cy="4708981"/>
           </a:xfrm>
           <a:prstGeom prst="rect">
             <a:avLst/>
@@ -7022,16 +7672,112 @@
           </a:bodyPr>
           <a:lstStyle/>
           <a:p>
-            <a:endParaRPr lang="ko-KR" altLang="en-US" dirty="0"/>
-          </a:p>
-        </p:txBody>
-      </p:sp>
-      <p:sp>
-        <p:nvSpPr>
-          <p:cNvPr id="27" name="TextBox 26">
-            <a:extLst>
-              <a:ext uri="{FF2B5EF4-FFF2-40B4-BE49-F238E27FC236}">
-                <a16:creationId xmlns:a16="http://schemas.microsoft.com/office/drawing/2014/main" id="{E30D6F48-E7F2-AA52-7217-6D302EC8F782}"/>
+            <a:r>
+              <a:rPr lang="en-US" altLang="ko-KR" sz="2000" dirty="0"/>
+              <a:t>- City</a:t>
+            </a:r>
+          </a:p>
+          <a:p>
+            <a:r>
+              <a:rPr lang="en-US" altLang="ko-KR" sz="2000" dirty="0"/>
+              <a:t>- Country</a:t>
+            </a:r>
+          </a:p>
+          <a:p>
+            <a:r>
+              <a:rPr lang="en-US" altLang="ko-KR" sz="2000" dirty="0"/>
+              <a:t>- Last updated</a:t>
+            </a:r>
+          </a:p>
+          <a:p>
+            <a:r>
+              <a:rPr lang="en-US" altLang="ko-KR" sz="2000" dirty="0"/>
+              <a:t>- Weather image</a:t>
+            </a:r>
+          </a:p>
+          <a:p>
+            <a:r>
+              <a:rPr lang="en-US" altLang="ko-KR" sz="2000" dirty="0"/>
+              <a:t>- Air quality</a:t>
+            </a:r>
+          </a:p>
+          <a:p>
+            <a:r>
+              <a:rPr lang="en-US" altLang="ko-KR" sz="2000" dirty="0"/>
+              <a:t>- Temperature</a:t>
+            </a:r>
+          </a:p>
+          <a:p>
+            <a:r>
+              <a:rPr lang="en-US" altLang="ko-KR" sz="2000" dirty="0"/>
+              <a:t>- </a:t>
+            </a:r>
+            <a:r>
+              <a:rPr lang="en-US" altLang="ko-KR" sz="2000" dirty="0" err="1"/>
+              <a:t>Feelslike</a:t>
+            </a:r>
+            <a:r>
+              <a:rPr lang="en-US" altLang="ko-KR" sz="2000" dirty="0"/>
+              <a:t> temperature</a:t>
+            </a:r>
+          </a:p>
+          <a:p>
+            <a:r>
+              <a:rPr lang="en-US" altLang="ko-KR" sz="2000" dirty="0"/>
+              <a:t>- Humidity</a:t>
+            </a:r>
+          </a:p>
+          <a:p>
+            <a:r>
+              <a:rPr lang="en-US" altLang="ko-KR" sz="2000" dirty="0"/>
+              <a:t>- Wind</a:t>
+            </a:r>
+          </a:p>
+          <a:p>
+            <a:r>
+              <a:rPr lang="en-US" altLang="ko-KR" sz="2000" dirty="0"/>
+              <a:t>- Pm10</a:t>
+            </a:r>
+          </a:p>
+          <a:p>
+            <a:r>
+              <a:rPr lang="en-US" altLang="ko-KR" sz="2000" dirty="0"/>
+              <a:t>- Pm2.5</a:t>
+            </a:r>
+          </a:p>
+          <a:p>
+            <a:r>
+              <a:rPr lang="en-US" altLang="ko-KR" sz="2000" dirty="0"/>
+              <a:t>- CO</a:t>
+            </a:r>
+          </a:p>
+          <a:p>
+            <a:r>
+              <a:rPr lang="en-US" altLang="ko-KR" sz="2000" dirty="0"/>
+              <a:t>- O3</a:t>
+            </a:r>
+          </a:p>
+          <a:p>
+            <a:r>
+              <a:rPr lang="en-US" altLang="ko-KR" sz="2000" dirty="0"/>
+              <a:t>- NO2</a:t>
+            </a:r>
+          </a:p>
+          <a:p>
+            <a:r>
+              <a:rPr lang="en-US" altLang="ko-KR" sz="2000" dirty="0"/>
+              <a:t>- SO2</a:t>
+            </a:r>
+            <a:endParaRPr lang="ko-KR" altLang="en-US" sz="2000" dirty="0"/>
+          </a:p>
+        </p:txBody>
+      </p:sp>
+      <p:sp>
+        <p:nvSpPr>
+          <p:cNvPr id="29" name="TextBox 28">
+            <a:extLst>
+              <a:ext uri="{FF2B5EF4-FFF2-40B4-BE49-F238E27FC236}">
+                <a16:creationId xmlns:a16="http://schemas.microsoft.com/office/drawing/2014/main" id="{D9F3B2B0-3E04-DDFB-3DB7-D6855B08D029}"/>
               </a:ext>
             </a:extLst>
           </p:cNvPr>
@@ -7040,8 +7786,8 @@
         </p:nvSpPr>
         <p:spPr>
           <a:xfrm>
-            <a:off x="6871606" y="3907454"/>
-            <a:ext cx="184731" cy="369332"/>
+            <a:off x="7325552" y="1382583"/>
+            <a:ext cx="4099777" cy="646331"/>
           </a:xfrm>
           <a:prstGeom prst="rect">
             <a:avLst/>
@@ -7054,158 +7800,31 @@
           </a:bodyPr>
           <a:lstStyle/>
           <a:p>
-            <a:endParaRPr lang="ko-KR" altLang="en-US" dirty="0"/>
-          </a:p>
-        </p:txBody>
-      </p:sp>
-      <p:pic>
-        <p:nvPicPr>
-          <p:cNvPr id="5" name="그림 4" descr="텍스트, 폰트, 스크린샷, 라인이(가) 표시된 사진&#10;&#10;자동 생성된 설명">
-            <a:extLst>
-              <a:ext uri="{FF2B5EF4-FFF2-40B4-BE49-F238E27FC236}">
-                <a16:creationId xmlns:a16="http://schemas.microsoft.com/office/drawing/2014/main" id="{9A1D9279-27DD-7446-C326-0447D120A437}"/>
-              </a:ext>
-            </a:extLst>
-          </p:cNvPr>
-          <p:cNvPicPr>
-            <a:picLocks noChangeAspect="1"/>
-          </p:cNvPicPr>
-          <p:nvPr/>
-        </p:nvPicPr>
-        <p:blipFill>
-          <a:blip r:embed="rId3">
-            <a:extLst>
-              <a:ext uri="{28A0092B-C50C-407E-A947-70E740481C1C}">
-                <a14:useLocalDpi xmlns:a14="http://schemas.microsoft.com/office/drawing/2010/main" val="0"/>
-              </a:ext>
-            </a:extLst>
-          </a:blip>
-          <a:stretch>
-            <a:fillRect/>
-          </a:stretch>
-        </p:blipFill>
-        <p:spPr>
-          <a:xfrm>
-            <a:off x="5393396" y="5336204"/>
-            <a:ext cx="4772025" cy="1476375"/>
-          </a:xfrm>
-          <a:prstGeom prst="rect">
-            <a:avLst/>
-          </a:prstGeom>
-        </p:spPr>
-      </p:pic>
-      <p:pic>
-        <p:nvPicPr>
-          <p:cNvPr id="7" name="그림 6" descr="텍스트, 폰트, 스크린샷, 라인이(가) 표시된 사진&#10;&#10;자동 생성된 설명">
-            <a:extLst>
-              <a:ext uri="{FF2B5EF4-FFF2-40B4-BE49-F238E27FC236}">
-                <a16:creationId xmlns:a16="http://schemas.microsoft.com/office/drawing/2014/main" id="{51849061-9923-F7D1-F7A8-B35F02C08FF4}"/>
-              </a:ext>
-            </a:extLst>
-          </p:cNvPr>
-          <p:cNvPicPr>
-            <a:picLocks noChangeAspect="1"/>
-          </p:cNvPicPr>
-          <p:nvPr/>
-        </p:nvPicPr>
-        <p:blipFill>
-          <a:blip r:embed="rId4">
-            <a:extLst>
-              <a:ext uri="{28A0092B-C50C-407E-A947-70E740481C1C}">
-                <a14:useLocalDpi xmlns:a14="http://schemas.microsoft.com/office/drawing/2010/main" val="0"/>
-              </a:ext>
-            </a:extLst>
-          </a:blip>
-          <a:stretch>
-            <a:fillRect/>
-          </a:stretch>
-        </p:blipFill>
-        <p:spPr>
-          <a:xfrm>
-            <a:off x="5417225" y="1246141"/>
-            <a:ext cx="4562475" cy="1323975"/>
-          </a:xfrm>
-          <a:prstGeom prst="rect">
-            <a:avLst/>
-          </a:prstGeom>
-        </p:spPr>
-      </p:pic>
-      <p:pic>
-        <p:nvPicPr>
-          <p:cNvPr id="9" name="그림 8" descr="텍스트, 스크린샷, 폰트, 라인이(가) 표시된 사진&#10;&#10;자동 생성된 설명">
-            <a:extLst>
-              <a:ext uri="{FF2B5EF4-FFF2-40B4-BE49-F238E27FC236}">
-                <a16:creationId xmlns:a16="http://schemas.microsoft.com/office/drawing/2014/main" id="{F78DB3F7-8989-F9CA-592D-CEEEA2ADD54B}"/>
-              </a:ext>
-            </a:extLst>
-          </p:cNvPr>
-          <p:cNvPicPr>
-            <a:picLocks noChangeAspect="1"/>
-          </p:cNvPicPr>
-          <p:nvPr/>
-        </p:nvPicPr>
-        <p:blipFill>
-          <a:blip r:embed="rId5">
-            <a:extLst>
-              <a:ext uri="{28A0092B-C50C-407E-A947-70E740481C1C}">
-                <a14:useLocalDpi xmlns:a14="http://schemas.microsoft.com/office/drawing/2010/main" val="0"/>
-              </a:ext>
-            </a:extLst>
-          </a:blip>
-          <a:stretch>
-            <a:fillRect/>
-          </a:stretch>
-        </p:blipFill>
-        <p:spPr>
-          <a:xfrm>
-            <a:off x="5474375" y="2589919"/>
-            <a:ext cx="4505325" cy="1428750"/>
-          </a:xfrm>
-          <a:prstGeom prst="rect">
-            <a:avLst/>
-          </a:prstGeom>
-        </p:spPr>
-      </p:pic>
-      <p:pic>
-        <p:nvPicPr>
-          <p:cNvPr id="11" name="그림 10" descr="텍스트, 스크린샷, 폰트이(가) 표시된 사진&#10;&#10;자동 생성된 설명">
-            <a:extLst>
-              <a:ext uri="{FF2B5EF4-FFF2-40B4-BE49-F238E27FC236}">
-                <a16:creationId xmlns:a16="http://schemas.microsoft.com/office/drawing/2014/main" id="{23F97D22-3887-F3E9-4702-EA75F4A7BAEC}"/>
-              </a:ext>
-            </a:extLst>
-          </p:cNvPr>
-          <p:cNvPicPr>
-            <a:picLocks noChangeAspect="1"/>
-          </p:cNvPicPr>
-          <p:nvPr/>
-        </p:nvPicPr>
-        <p:blipFill>
-          <a:blip r:embed="rId6">
-            <a:extLst>
-              <a:ext uri="{28A0092B-C50C-407E-A947-70E740481C1C}">
-                <a14:useLocalDpi xmlns:a14="http://schemas.microsoft.com/office/drawing/2010/main" val="0"/>
-              </a:ext>
-            </a:extLst>
-          </a:blip>
-          <a:stretch>
-            <a:fillRect/>
-          </a:stretch>
-        </p:blipFill>
-        <p:spPr>
-          <a:xfrm>
-            <a:off x="5421987" y="4029075"/>
-            <a:ext cx="4610100" cy="1352550"/>
-          </a:xfrm>
-          <a:prstGeom prst="rect">
-            <a:avLst/>
-          </a:prstGeom>
-        </p:spPr>
-      </p:pic>
+            <a:r>
+              <a:rPr lang="en-US" altLang="ko-KR" dirty="0"/>
+              <a:t>Using Free Weather API, </a:t>
+            </a:r>
+            <a:r>
+              <a:rPr lang="en-US" altLang="ko-KR" dirty="0" err="1"/>
+              <a:t>jquery</a:t>
+            </a:r>
+            <a:r>
+              <a:rPr lang="en-US" altLang="ko-KR" dirty="0"/>
+              <a:t> and AJAX</a:t>
+            </a:r>
+          </a:p>
+          <a:p>
+            <a:r>
+              <a:rPr lang="en-US" altLang="ko-KR" dirty="0"/>
+              <a:t>Get real-time data</a:t>
+            </a:r>
+          </a:p>
+        </p:txBody>
+      </p:sp>
     </p:spTree>
     <p:extLst>
       <p:ext uri="{BB962C8B-B14F-4D97-AF65-F5344CB8AC3E}">
-        <p14:creationId xmlns:p14="http://schemas.microsoft.com/office/powerpoint/2010/main" val="831176947"/>
+        <p14:creationId xmlns:p14="http://schemas.microsoft.com/office/powerpoint/2010/main" val="2564707920"/>
       </p:ext>
     </p:extLst>
   </p:cSld>

--- a/presentation.pptx
+++ b/presentation.pptx
@@ -298,7 +298,7 @@
           <a:p>
             <a:fld id="{84AA74B2-B4A4-4C45-8B6A-9DA0142025C1}" type="datetimeFigureOut">
               <a:rPr lang="ko-KR" altLang="en-US" smtClean="0"/>
-              <a:t>2024-11-14</a:t>
+              <a:t>2024-11-18</a:t>
             </a:fld>
             <a:endParaRPr lang="ko-KR" altLang="en-US"/>
           </a:p>
@@ -628,7 +628,7 @@
           <a:p>
             <a:fld id="{84AA74B2-B4A4-4C45-8B6A-9DA0142025C1}" type="datetimeFigureOut">
               <a:rPr lang="ko-KR" altLang="en-US" smtClean="0"/>
-              <a:t>2024-11-14</a:t>
+              <a:t>2024-11-18</a:t>
             </a:fld>
             <a:endParaRPr lang="ko-KR" altLang="en-US"/>
           </a:p>
@@ -808,7 +808,7 @@
           <a:p>
             <a:fld id="{84AA74B2-B4A4-4C45-8B6A-9DA0142025C1}" type="datetimeFigureOut">
               <a:rPr lang="ko-KR" altLang="en-US" smtClean="0"/>
-              <a:t>2024-11-14</a:t>
+              <a:t>2024-11-18</a:t>
             </a:fld>
             <a:endParaRPr lang="ko-KR" altLang="en-US"/>
           </a:p>
@@ -978,7 +978,7 @@
           <a:p>
             <a:fld id="{84AA74B2-B4A4-4C45-8B6A-9DA0142025C1}" type="datetimeFigureOut">
               <a:rPr lang="ko-KR" altLang="en-US" smtClean="0"/>
-              <a:t>2024-11-14</a:t>
+              <a:t>2024-11-18</a:t>
             </a:fld>
             <a:endParaRPr lang="ko-KR" altLang="en-US"/>
           </a:p>
@@ -1255,7 +1255,7 @@
           <a:p>
             <a:fld id="{84AA74B2-B4A4-4C45-8B6A-9DA0142025C1}" type="datetimeFigureOut">
               <a:rPr lang="ko-KR" altLang="en-US" smtClean="0"/>
-              <a:t>2024-11-14</a:t>
+              <a:t>2024-11-18</a:t>
             </a:fld>
             <a:endParaRPr lang="ko-KR" altLang="en-US"/>
           </a:p>
@@ -1649,7 +1649,7 @@
           <a:p>
             <a:fld id="{84AA74B2-B4A4-4C45-8B6A-9DA0142025C1}" type="datetimeFigureOut">
               <a:rPr lang="ko-KR" altLang="en-US" smtClean="0"/>
-              <a:t>2024-11-14</a:t>
+              <a:t>2024-11-18</a:t>
             </a:fld>
             <a:endParaRPr lang="ko-KR" altLang="en-US"/>
           </a:p>
@@ -2126,7 +2126,7 @@
           <a:p>
             <a:fld id="{84AA74B2-B4A4-4C45-8B6A-9DA0142025C1}" type="datetimeFigureOut">
               <a:rPr lang="ko-KR" altLang="en-US" smtClean="0"/>
-              <a:t>2024-11-14</a:t>
+              <a:t>2024-11-18</a:t>
             </a:fld>
             <a:endParaRPr lang="ko-KR" altLang="en-US"/>
           </a:p>
@@ -2244,7 +2244,7 @@
           <a:p>
             <a:fld id="{84AA74B2-B4A4-4C45-8B6A-9DA0142025C1}" type="datetimeFigureOut">
               <a:rPr lang="ko-KR" altLang="en-US" smtClean="0"/>
-              <a:t>2024-11-14</a:t>
+              <a:t>2024-11-18</a:t>
             </a:fld>
             <a:endParaRPr lang="ko-KR" altLang="en-US"/>
           </a:p>
@@ -2339,7 +2339,7 @@
           <a:p>
             <a:fld id="{84AA74B2-B4A4-4C45-8B6A-9DA0142025C1}" type="datetimeFigureOut">
               <a:rPr lang="ko-KR" altLang="en-US" smtClean="0"/>
-              <a:t>2024-11-14</a:t>
+              <a:t>2024-11-18</a:t>
             </a:fld>
             <a:endParaRPr lang="ko-KR" altLang="en-US"/>
           </a:p>
@@ -2685,7 +2685,7 @@
           <a:p>
             <a:fld id="{84AA74B2-B4A4-4C45-8B6A-9DA0142025C1}" type="datetimeFigureOut">
               <a:rPr lang="ko-KR" altLang="en-US" smtClean="0"/>
-              <a:t>2024-11-14</a:t>
+              <a:t>2024-11-18</a:t>
             </a:fld>
             <a:endParaRPr lang="ko-KR" altLang="en-US"/>
           </a:p>
@@ -3073,7 +3073,7 @@
           <a:p>
             <a:fld id="{84AA74B2-B4A4-4C45-8B6A-9DA0142025C1}" type="datetimeFigureOut">
               <a:rPr lang="ko-KR" altLang="en-US" smtClean="0"/>
-              <a:t>2024-11-14</a:t>
+              <a:t>2024-11-18</a:t>
             </a:fld>
             <a:endParaRPr lang="ko-KR" altLang="en-US"/>
           </a:p>
@@ -3351,7 +3351,7 @@
           <a:p>
             <a:fld id="{84AA74B2-B4A4-4C45-8B6A-9DA0142025C1}" type="datetimeFigureOut">
               <a:rPr lang="ko-KR" altLang="en-US" smtClean="0"/>
-              <a:t>2024-11-14</a:t>
+              <a:t>2024-11-18</a:t>
             </a:fld>
             <a:endParaRPr lang="ko-KR" altLang="en-US"/>
           </a:p>
@@ -4982,6 +4982,52 @@
           </a:prstGeom>
         </p:spPr>
       </p:pic>
+      <p:sp>
+        <p:nvSpPr>
+          <p:cNvPr id="4" name="TextBox 3">
+            <a:extLst>
+              <a:ext uri="{FF2B5EF4-FFF2-40B4-BE49-F238E27FC236}">
+                <a16:creationId xmlns:a16="http://schemas.microsoft.com/office/drawing/2014/main" id="{0E009536-78F2-9EFE-B2C7-698ED33D0B9C}"/>
+              </a:ext>
+            </a:extLst>
+          </p:cNvPr>
+          <p:cNvSpPr txBox="1"/>
+          <p:nvPr/>
+        </p:nvSpPr>
+        <p:spPr>
+          <a:xfrm>
+            <a:off x="826851" y="6488668"/>
+            <a:ext cx="11540339" cy="369332"/>
+          </a:xfrm>
+          <a:prstGeom prst="rect">
+            <a:avLst/>
+          </a:prstGeom>
+          <a:noFill/>
+        </p:spPr>
+        <p:txBody>
+          <a:bodyPr wrap="none" rtlCol="0">
+            <a:spAutoFit/>
+          </a:bodyPr>
+          <a:lstStyle/>
+          <a:p>
+            <a:r>
+              <a:rPr lang="en-US" altLang="ko-KR" dirty="0"/>
+              <a:t>* UK DEFRA INDEX </a:t>
+            </a:r>
+            <a:r>
+              <a:rPr lang="en-US" altLang="ko-KR" b="0" i="0" dirty="0">
+                <a:solidFill>
+                  <a:srgbClr val="0B0C0C"/>
+                </a:solidFill>
+                <a:effectLst/>
+                <a:latin typeface="Roboto" panose="02000000000000000000" pitchFamily="2" charset="0"/>
+              </a:rPr>
+              <a:t> tells you about levels of air pollution and provides recommended actions and health advice. </a:t>
+            </a:r>
+            <a:endParaRPr lang="ko-KR" altLang="en-US" dirty="0"/>
+          </a:p>
+        </p:txBody>
+      </p:sp>
     </p:spTree>
     <p:extLst>
       <p:ext uri="{BB962C8B-B14F-4D97-AF65-F5344CB8AC3E}">
@@ -5883,7 +5929,12 @@
             <p:ph type="title"/>
           </p:nvPr>
         </p:nvSpPr>
-        <p:spPr/>
+        <p:spPr>
+          <a:xfrm>
+            <a:off x="1011677" y="119435"/>
+            <a:ext cx="9601200" cy="1485900"/>
+          </a:xfrm>
+        </p:spPr>
         <p:txBody>
           <a:bodyPr/>
           <a:lstStyle/>
@@ -5943,7 +5994,7 @@
         </p:blipFill>
         <p:spPr>
           <a:xfrm>
-            <a:off x="496111" y="1605335"/>
+            <a:off x="476656" y="862385"/>
             <a:ext cx="11605098" cy="4262065"/>
           </a:xfrm>
           <a:prstGeom prst="rect">
@@ -5951,6 +6002,90 @@
           </a:prstGeom>
         </p:spPr>
       </p:pic>
+      <p:sp>
+        <p:nvSpPr>
+          <p:cNvPr id="4" name="TextBox 3">
+            <a:extLst>
+              <a:ext uri="{FF2B5EF4-FFF2-40B4-BE49-F238E27FC236}">
+                <a16:creationId xmlns:a16="http://schemas.microsoft.com/office/drawing/2014/main" id="{22D81845-5A6C-A009-C092-2A057DC37EDE}"/>
+              </a:ext>
+            </a:extLst>
+          </p:cNvPr>
+          <p:cNvSpPr txBox="1"/>
+          <p:nvPr/>
+        </p:nvSpPr>
+        <p:spPr>
+          <a:xfrm>
+            <a:off x="933855" y="5447489"/>
+            <a:ext cx="8835367" cy="923330"/>
+          </a:xfrm>
+          <a:prstGeom prst="rect">
+            <a:avLst/>
+          </a:prstGeom>
+          <a:noFill/>
+        </p:spPr>
+        <p:txBody>
+          <a:bodyPr wrap="none" rtlCol="0">
+            <a:spAutoFit/>
+          </a:bodyPr>
+          <a:lstStyle/>
+          <a:p>
+            <a:r>
+              <a:rPr lang="en-US" altLang="ko-KR" dirty="0"/>
+              <a:t>Index: time</a:t>
+            </a:r>
+          </a:p>
+          <a:p>
+            <a:r>
+              <a:rPr lang="en-US" altLang="ko-KR" dirty="0"/>
+              <a:t>Columns: </a:t>
+            </a:r>
+            <a:r>
+              <a:rPr lang="en-US" altLang="ko-KR" dirty="0" err="1"/>
+              <a:t>cityname,country</a:t>
+            </a:r>
+            <a:r>
+              <a:rPr lang="en-US" altLang="ko-KR" dirty="0"/>
+              <a:t>, current, temperature, humidity, </a:t>
+            </a:r>
+            <a:r>
+              <a:rPr lang="en-US" altLang="ko-KR" dirty="0" err="1"/>
+              <a:t>feelslike</a:t>
+            </a:r>
+            <a:r>
+              <a:rPr lang="en-US" altLang="ko-KR" dirty="0"/>
+              <a:t>, </a:t>
+            </a:r>
+            <a:r>
+              <a:rPr lang="en-US" altLang="ko-KR" dirty="0" err="1"/>
+              <a:t>wind_dir</a:t>
+            </a:r>
+            <a:r>
+              <a:rPr lang="en-US" altLang="ko-KR" dirty="0"/>
+              <a:t>, </a:t>
+            </a:r>
+            <a:r>
+              <a:rPr lang="en-US" altLang="ko-KR" dirty="0" err="1"/>
+              <a:t>wind_kph</a:t>
+            </a:r>
+            <a:r>
+              <a:rPr lang="en-US" altLang="ko-KR" dirty="0"/>
+              <a:t>,</a:t>
+            </a:r>
+          </a:p>
+          <a:p>
+            <a:r>
+              <a:rPr lang="en-US" altLang="ko-KR" dirty="0"/>
+              <a:t>		pm10, pm2.5, co2, Nox, NH3, SO2, VOC, </a:t>
+            </a:r>
+            <a:r>
+              <a:rPr lang="en-US" altLang="ko-KR" dirty="0" err="1"/>
+              <a:t>gb_defra_index</a:t>
+            </a:r>
+            <a:endParaRPr lang="ko-KR" altLang="en-US" dirty="0"/>
+          </a:p>
+        </p:txBody>
+      </p:sp>
     </p:spTree>
     <p:extLst>
       <p:ext uri="{BB962C8B-B14F-4D97-AF65-F5344CB8AC3E}">

--- a/presentation.pptx
+++ b/presentation.pptx
@@ -23,6 +23,10 @@
     <p:sldId id="268" r:id="rId17"/>
     <p:sldId id="272" r:id="rId18"/>
     <p:sldId id="269" r:id="rId19"/>
+    <p:sldId id="275" r:id="rId20"/>
+    <p:sldId id="276" r:id="rId21"/>
+    <p:sldId id="274" r:id="rId22"/>
+    <p:sldId id="277" r:id="rId23"/>
   </p:sldIdLst>
   <p:sldSz cx="12192000" cy="6858000"/>
   <p:notesSz cx="6858000" cy="9144000"/>
@@ -6016,8 +6020,8 @@
         </p:nvSpPr>
         <p:spPr>
           <a:xfrm>
-            <a:off x="933855" y="5447489"/>
-            <a:ext cx="8835367" cy="923330"/>
+            <a:off x="856034" y="5256951"/>
+            <a:ext cx="10297819" cy="1477328"/>
           </a:xfrm>
           <a:prstGeom prst="rect">
             <a:avLst/>
@@ -6082,7 +6086,43 @@
               <a:rPr lang="en-US" altLang="ko-KR" dirty="0" err="1"/>
               <a:t>gb_defra_index</a:t>
             </a:r>
-            <a:endParaRPr lang="ko-KR" altLang="en-US" dirty="0"/>
+            <a:endParaRPr lang="en-US" altLang="ko-KR" dirty="0"/>
+          </a:p>
+          <a:p>
+            <a:pPr marL="285750" indent="-285750">
+              <a:buFont typeface="Arial" panose="020B0604020202020204" pitchFamily="34" charset="0"/>
+              <a:buChar char="•"/>
+            </a:pPr>
+            <a:r>
+              <a:rPr lang="en-US" altLang="ko-KR" dirty="0"/>
+              <a:t>City name and country are needed only for the first row.</a:t>
+            </a:r>
+          </a:p>
+          <a:p>
+            <a:pPr marL="285750" indent="-285750">
+              <a:buFont typeface="Arial" panose="020B0604020202020204" pitchFamily="34" charset="0"/>
+              <a:buChar char="•"/>
+            </a:pPr>
+            <a:r>
+              <a:rPr lang="en-US" altLang="ko-KR" dirty="0"/>
+              <a:t>From "</a:t>
+            </a:r>
+            <a:r>
+              <a:rPr lang="en-US" altLang="ko-KR" dirty="0" err="1"/>
+              <a:t>feelslike</a:t>
+            </a:r>
+            <a:r>
+              <a:rPr lang="en-US" altLang="ko-KR" dirty="0"/>
+              <a:t>" to "</a:t>
+            </a:r>
+            <a:r>
+              <a:rPr lang="en-US" altLang="ko-KR" dirty="0" err="1"/>
+              <a:t>gb_defra_index</a:t>
+            </a:r>
+            <a:r>
+              <a:rPr lang="en-US" altLang="ko-KR" dirty="0"/>
+              <a:t>" columns, data is needed only for rows where "current" equals "O".</a:t>
+            </a:r>
           </a:p>
         </p:txBody>
       </p:sp>
@@ -6228,6 +6268,139 @@
 </p:sld>
 </file>
 
+<file path=ppt/slides/slide19.xml><?xml version="1.0" encoding="utf-8"?>
+<p:sld xmlns:a="http://schemas.openxmlformats.org/drawingml/2006/main" xmlns:r="http://schemas.openxmlformats.org/officeDocument/2006/relationships" xmlns:p="http://schemas.openxmlformats.org/presentationml/2006/main">
+  <p:cSld>
+    <p:spTree>
+      <p:nvGrpSpPr>
+        <p:cNvPr id="1" name=""/>
+        <p:cNvGrpSpPr/>
+        <p:nvPr/>
+      </p:nvGrpSpPr>
+      <p:grpSpPr>
+        <a:xfrm>
+          <a:off x="0" y="0"/>
+          <a:ext cx="0" cy="0"/>
+          <a:chOff x="0" y="0"/>
+          <a:chExt cx="0" cy="0"/>
+        </a:xfrm>
+      </p:grpSpPr>
+      <p:sp>
+        <p:nvSpPr>
+          <p:cNvPr id="2" name="제목 1">
+            <a:extLst>
+              <a:ext uri="{FF2B5EF4-FFF2-40B4-BE49-F238E27FC236}">
+                <a16:creationId xmlns:a16="http://schemas.microsoft.com/office/drawing/2014/main" id="{46C3C373-6D7A-40FF-EB51-F41D26933CF1}"/>
+              </a:ext>
+            </a:extLst>
+          </p:cNvPr>
+          <p:cNvSpPr>
+            <a:spLocks noGrp="1"/>
+          </p:cNvSpPr>
+          <p:nvPr>
+            <p:ph type="title"/>
+          </p:nvPr>
+        </p:nvSpPr>
+        <p:spPr/>
+        <p:txBody>
+          <a:bodyPr/>
+          <a:lstStyle/>
+          <a:p>
+            <a:r>
+              <a:rPr lang="en-US" altLang="ko-KR" dirty="0"/>
+              <a:t>Used Bootstrap &amp; library</a:t>
+            </a:r>
+            <a:endParaRPr lang="ko-KR" altLang="en-US" dirty="0"/>
+          </a:p>
+        </p:txBody>
+      </p:sp>
+      <p:sp>
+        <p:nvSpPr>
+          <p:cNvPr id="3" name="내용 개체 틀 2">
+            <a:extLst>
+              <a:ext uri="{FF2B5EF4-FFF2-40B4-BE49-F238E27FC236}">
+                <a16:creationId xmlns:a16="http://schemas.microsoft.com/office/drawing/2014/main" id="{F79BDE12-AFA6-C4A3-F952-AAE357422420}"/>
+              </a:ext>
+            </a:extLst>
+          </p:cNvPr>
+          <p:cNvSpPr>
+            <a:spLocks noGrp="1"/>
+          </p:cNvSpPr>
+          <p:nvPr>
+            <p:ph idx="1"/>
+          </p:nvPr>
+        </p:nvSpPr>
+        <p:spPr/>
+        <p:txBody>
+          <a:bodyPr>
+            <a:noAutofit/>
+          </a:bodyPr>
+          <a:lstStyle/>
+          <a:p>
+            <a:r>
+              <a:rPr lang="en-US" altLang="ko-KR" sz="3200" dirty="0"/>
+              <a:t>w3 </a:t>
+            </a:r>
+            <a:r>
+              <a:rPr lang="en-US" altLang="ko-KR" sz="3200" dirty="0" err="1"/>
+              <a:t>css</a:t>
+            </a:r>
+            <a:r>
+              <a:rPr lang="en-US" altLang="ko-KR" sz="3200" dirty="0"/>
+              <a:t> </a:t>
+            </a:r>
+          </a:p>
+          <a:p>
+            <a:r>
+              <a:rPr lang="en-US" altLang="ko-KR" sz="3200" dirty="0"/>
+              <a:t>font awesome 6.6.0</a:t>
+            </a:r>
+          </a:p>
+          <a:p>
+            <a:endParaRPr lang="en-US" altLang="ko-KR" sz="3200" dirty="0"/>
+          </a:p>
+          <a:p>
+            <a:r>
+              <a:rPr lang="en-US" altLang="ko-KR" sz="3200" dirty="0" err="1"/>
+              <a:t>jquery</a:t>
+            </a:r>
+            <a:r>
+              <a:rPr lang="en-US" altLang="ko-KR" sz="3200" dirty="0"/>
+              <a:t> 3.7.1 </a:t>
+            </a:r>
+          </a:p>
+          <a:p>
+            <a:r>
+              <a:rPr lang="en-US" altLang="ko-KR" sz="3200" dirty="0"/>
+              <a:t>chart.js 4.4.1</a:t>
+            </a:r>
+          </a:p>
+          <a:p>
+            <a:r>
+              <a:rPr lang="en-US" altLang="ko-KR" sz="3200" dirty="0" err="1"/>
+              <a:t>papaparse</a:t>
+            </a:r>
+            <a:r>
+              <a:rPr lang="en-US" altLang="ko-KR" sz="3200" dirty="0"/>
+              <a:t> 5.4.1</a:t>
+            </a:r>
+            <a:endParaRPr lang="ko-KR" altLang="en-US" sz="3200" dirty="0"/>
+          </a:p>
+        </p:txBody>
+      </p:sp>
+    </p:spTree>
+    <p:extLst>
+      <p:ext uri="{BB962C8B-B14F-4D97-AF65-F5344CB8AC3E}">
+        <p14:creationId xmlns:p14="http://schemas.microsoft.com/office/powerpoint/2010/main" val="1781222032"/>
+      </p:ext>
+    </p:extLst>
+  </p:cSld>
+  <p:clrMapOvr>
+    <a:masterClrMapping/>
+  </p:clrMapOvr>
+</p:sld>
+</file>
+
 <file path=ppt/slides/slide2.xml><?xml version="1.0" encoding="utf-8"?>
 <p:sld xmlns:a="http://schemas.openxmlformats.org/drawingml/2006/main" xmlns:r="http://schemas.openxmlformats.org/officeDocument/2006/relationships" xmlns:p="http://schemas.openxmlformats.org/presentationml/2006/main">
   <p:cSld>
@@ -6356,6 +6529,281 @@
     <p:extLst>
       <p:ext uri="{BB962C8B-B14F-4D97-AF65-F5344CB8AC3E}">
         <p14:creationId xmlns:p14="http://schemas.microsoft.com/office/powerpoint/2010/main" val="3419400382"/>
+      </p:ext>
+    </p:extLst>
+  </p:cSld>
+  <p:clrMapOvr>
+    <a:masterClrMapping/>
+  </p:clrMapOvr>
+</p:sld>
+</file>
+
+<file path=ppt/slides/slide20.xml><?xml version="1.0" encoding="utf-8"?>
+<p:sld xmlns:a="http://schemas.openxmlformats.org/drawingml/2006/main" xmlns:r="http://schemas.openxmlformats.org/officeDocument/2006/relationships" xmlns:p="http://schemas.openxmlformats.org/presentationml/2006/main">
+  <p:cSld>
+    <p:spTree>
+      <p:nvGrpSpPr>
+        <p:cNvPr id="1" name=""/>
+        <p:cNvGrpSpPr/>
+        <p:nvPr/>
+      </p:nvGrpSpPr>
+      <p:grpSpPr>
+        <a:xfrm>
+          <a:off x="0" y="0"/>
+          <a:ext cx="0" cy="0"/>
+          <a:chOff x="0" y="0"/>
+          <a:chExt cx="0" cy="0"/>
+        </a:xfrm>
+      </p:grpSpPr>
+      <p:sp>
+        <p:nvSpPr>
+          <p:cNvPr id="2" name="제목 1">
+            <a:extLst>
+              <a:ext uri="{FF2B5EF4-FFF2-40B4-BE49-F238E27FC236}">
+                <a16:creationId xmlns:a16="http://schemas.microsoft.com/office/drawing/2014/main" id="{6A2DA5B2-3A72-F756-9FBF-568EB4F10F1F}"/>
+              </a:ext>
+            </a:extLst>
+          </p:cNvPr>
+          <p:cNvSpPr>
+            <a:spLocks noGrp="1"/>
+          </p:cNvSpPr>
+          <p:nvPr>
+            <p:ph type="title"/>
+          </p:nvPr>
+        </p:nvSpPr>
+        <p:spPr/>
+        <p:txBody>
+          <a:bodyPr/>
+          <a:lstStyle/>
+          <a:p>
+            <a:r>
+              <a:rPr lang="en-US" altLang="ko-KR" dirty="0"/>
+              <a:t>Fonts</a:t>
+            </a:r>
+            <a:endParaRPr lang="ko-KR" altLang="en-US" dirty="0"/>
+          </a:p>
+        </p:txBody>
+      </p:sp>
+      <p:sp>
+        <p:nvSpPr>
+          <p:cNvPr id="3" name="내용 개체 틀 2">
+            <a:extLst>
+              <a:ext uri="{FF2B5EF4-FFF2-40B4-BE49-F238E27FC236}">
+                <a16:creationId xmlns:a16="http://schemas.microsoft.com/office/drawing/2014/main" id="{6AFB4F59-168A-2210-46BE-710567B2F8CB}"/>
+              </a:ext>
+            </a:extLst>
+          </p:cNvPr>
+          <p:cNvSpPr>
+            <a:spLocks noGrp="1"/>
+          </p:cNvSpPr>
+          <p:nvPr>
+            <p:ph idx="1"/>
+          </p:nvPr>
+        </p:nvSpPr>
+        <p:spPr/>
+        <p:txBody>
+          <a:bodyPr>
+            <a:normAutofit/>
+          </a:bodyPr>
+          <a:lstStyle/>
+          <a:p>
+            <a:r>
+              <a:rPr lang="en-US" altLang="ko-KR" sz="2800" dirty="0" err="1"/>
+              <a:t>Dynapuff</a:t>
+            </a:r>
+            <a:r>
+              <a:rPr lang="en-US" altLang="ko-KR" sz="2800" dirty="0"/>
+              <a:t>: title and logo</a:t>
+            </a:r>
+          </a:p>
+          <a:p>
+            <a:r>
+              <a:rPr lang="en-US" altLang="ko-KR" sz="2800" dirty="0"/>
+              <a:t>Roboto: other contents except title</a:t>
+            </a:r>
+            <a:endParaRPr lang="ko-KR" altLang="en-US" sz="2800" dirty="0"/>
+          </a:p>
+        </p:txBody>
+      </p:sp>
+    </p:spTree>
+    <p:extLst>
+      <p:ext uri="{BB962C8B-B14F-4D97-AF65-F5344CB8AC3E}">
+        <p14:creationId xmlns:p14="http://schemas.microsoft.com/office/powerpoint/2010/main" val="1123471810"/>
+      </p:ext>
+    </p:extLst>
+  </p:cSld>
+  <p:clrMapOvr>
+    <a:masterClrMapping/>
+  </p:clrMapOvr>
+</p:sld>
+</file>
+
+<file path=ppt/slides/slide21.xml><?xml version="1.0" encoding="utf-8"?>
+<p:sld xmlns:a="http://schemas.openxmlformats.org/drawingml/2006/main" xmlns:r="http://schemas.openxmlformats.org/officeDocument/2006/relationships" xmlns:p="http://schemas.openxmlformats.org/presentationml/2006/main">
+  <p:cSld>
+    <p:spTree>
+      <p:nvGrpSpPr>
+        <p:cNvPr id="1" name=""/>
+        <p:cNvGrpSpPr/>
+        <p:nvPr/>
+      </p:nvGrpSpPr>
+      <p:grpSpPr>
+        <a:xfrm>
+          <a:off x="0" y="0"/>
+          <a:ext cx="0" cy="0"/>
+          <a:chOff x="0" y="0"/>
+          <a:chExt cx="0" cy="0"/>
+        </a:xfrm>
+      </p:grpSpPr>
+      <p:sp>
+        <p:nvSpPr>
+          <p:cNvPr id="2" name="제목 1">
+            <a:extLst>
+              <a:ext uri="{FF2B5EF4-FFF2-40B4-BE49-F238E27FC236}">
+                <a16:creationId xmlns:a16="http://schemas.microsoft.com/office/drawing/2014/main" id="{F2FFC7C5-1351-60C9-5067-7FBF719A920B}"/>
+              </a:ext>
+            </a:extLst>
+          </p:cNvPr>
+          <p:cNvSpPr>
+            <a:spLocks noGrp="1"/>
+          </p:cNvSpPr>
+          <p:nvPr>
+            <p:ph type="title"/>
+          </p:nvPr>
+        </p:nvSpPr>
+        <p:spPr/>
+        <p:txBody>
+          <a:bodyPr/>
+          <a:lstStyle/>
+          <a:p>
+            <a:r>
+              <a:rPr lang="en-US" altLang="ko-KR" dirty="0"/>
+              <a:t>What will I do</a:t>
+            </a:r>
+            <a:endParaRPr lang="ko-KR" altLang="en-US" dirty="0"/>
+          </a:p>
+        </p:txBody>
+      </p:sp>
+      <p:sp>
+        <p:nvSpPr>
+          <p:cNvPr id="3" name="내용 개체 틀 2">
+            <a:extLst>
+              <a:ext uri="{FF2B5EF4-FFF2-40B4-BE49-F238E27FC236}">
+                <a16:creationId xmlns:a16="http://schemas.microsoft.com/office/drawing/2014/main" id="{EF1E77A6-7A51-B774-C962-598B63E1EA5E}"/>
+              </a:ext>
+            </a:extLst>
+          </p:cNvPr>
+          <p:cNvSpPr>
+            <a:spLocks noGrp="1"/>
+          </p:cNvSpPr>
+          <p:nvPr>
+            <p:ph idx="1"/>
+          </p:nvPr>
+        </p:nvSpPr>
+        <p:spPr/>
+        <p:txBody>
+          <a:bodyPr/>
+          <a:lstStyle/>
+          <a:p>
+            <a:r>
+              <a:rPr lang="en-US" altLang="ko-KR" dirty="0"/>
+              <a:t>Add air quality data(like what is the UK DEFRA INDEX) more in about.html</a:t>
+            </a:r>
+          </a:p>
+          <a:p>
+            <a:r>
+              <a:rPr lang="en-US" altLang="ko-KR" dirty="0"/>
+              <a:t>Add recommend action and health advices in index.html and csv.html</a:t>
+            </a:r>
+          </a:p>
+          <a:p>
+            <a:r>
+              <a:rPr lang="en-US" altLang="ko-KR" dirty="0"/>
+              <a:t>Change UI more user-friendly</a:t>
+            </a:r>
+          </a:p>
+          <a:p>
+            <a:r>
+              <a:rPr lang="en-US" altLang="ko-KR" dirty="0"/>
+              <a:t>And so on…</a:t>
+            </a:r>
+          </a:p>
+        </p:txBody>
+      </p:sp>
+    </p:spTree>
+    <p:extLst>
+      <p:ext uri="{BB962C8B-B14F-4D97-AF65-F5344CB8AC3E}">
+        <p14:creationId xmlns:p14="http://schemas.microsoft.com/office/powerpoint/2010/main" val="454798825"/>
+      </p:ext>
+    </p:extLst>
+  </p:cSld>
+  <p:clrMapOvr>
+    <a:masterClrMapping/>
+  </p:clrMapOvr>
+</p:sld>
+</file>
+
+<file path=ppt/slides/slide22.xml><?xml version="1.0" encoding="utf-8"?>
+<p:sld xmlns:a="http://schemas.openxmlformats.org/drawingml/2006/main" xmlns:r="http://schemas.openxmlformats.org/officeDocument/2006/relationships" xmlns:p="http://schemas.openxmlformats.org/presentationml/2006/main">
+  <p:cSld>
+    <p:spTree>
+      <p:nvGrpSpPr>
+        <p:cNvPr id="1" name=""/>
+        <p:cNvGrpSpPr/>
+        <p:nvPr/>
+      </p:nvGrpSpPr>
+      <p:grpSpPr>
+        <a:xfrm>
+          <a:off x="0" y="0"/>
+          <a:ext cx="0" cy="0"/>
+          <a:chOff x="0" y="0"/>
+          <a:chExt cx="0" cy="0"/>
+        </a:xfrm>
+      </p:grpSpPr>
+      <p:sp>
+        <p:nvSpPr>
+          <p:cNvPr id="4" name="TextBox 3">
+            <a:extLst>
+              <a:ext uri="{FF2B5EF4-FFF2-40B4-BE49-F238E27FC236}">
+                <a16:creationId xmlns:a16="http://schemas.microsoft.com/office/drawing/2014/main" id="{CA2C024A-EF22-B48F-0433-8FE466D40F3E}"/>
+              </a:ext>
+            </a:extLst>
+          </p:cNvPr>
+          <p:cNvSpPr txBox="1"/>
+          <p:nvPr/>
+        </p:nvSpPr>
+        <p:spPr>
+          <a:xfrm>
+            <a:off x="3677055" y="2828835"/>
+            <a:ext cx="5083443" cy="1200329"/>
+          </a:xfrm>
+          <a:prstGeom prst="rect">
+            <a:avLst/>
+          </a:prstGeom>
+          <a:noFill/>
+        </p:spPr>
+        <p:txBody>
+          <a:bodyPr wrap="none" rtlCol="0">
+            <a:spAutoFit/>
+          </a:bodyPr>
+          <a:lstStyle/>
+          <a:p>
+            <a:r>
+              <a:rPr lang="en-US" altLang="ko-KR" sz="7200" dirty="0">
+                <a:latin typeface="Segoe Print" panose="02000600000000000000" pitchFamily="2" charset="0"/>
+              </a:rPr>
+              <a:t>Thank you</a:t>
+            </a:r>
+            <a:endParaRPr lang="ko-KR" altLang="en-US" sz="7200" dirty="0">
+              <a:latin typeface="Segoe Print" panose="02000600000000000000" pitchFamily="2" charset="0"/>
+            </a:endParaRPr>
+          </a:p>
+        </p:txBody>
+      </p:sp>
+    </p:spTree>
+    <p:extLst>
+      <p:ext uri="{BB962C8B-B14F-4D97-AF65-F5344CB8AC3E}">
+        <p14:creationId xmlns:p14="http://schemas.microsoft.com/office/powerpoint/2010/main" val="1716215301"/>
       </p:ext>
     </p:extLst>
   </p:cSld>

--- a/presentation.pptx
+++ b/presentation.pptx
@@ -6725,6 +6725,24 @@
           <a:p>
             <a:r>
               <a:rPr lang="en-US" altLang="ko-KR" dirty="0"/>
+              <a:t>Add error handling(API key expired, csv </a:t>
+            </a:r>
+            <a:r>
+              <a:rPr lang="en-US" altLang="ko-KR"/>
+              <a:t>syntax error, </a:t>
+            </a:r>
+            <a:r>
+              <a:rPr lang="en-US" altLang="ko-KR" dirty="0" err="1"/>
+              <a:t>etc</a:t>
+            </a:r>
+            <a:r>
+              <a:rPr lang="en-US" altLang="ko-KR" dirty="0"/>
+              <a:t>)</a:t>
+            </a:r>
+          </a:p>
+          <a:p>
+            <a:r>
+              <a:rPr lang="en-US" altLang="ko-KR" dirty="0"/>
               <a:t>And so on…</a:t>
             </a:r>
           </a:p>
